--- a/slides/00-course-intro.pptx
+++ b/slides/00-course-intro.pptx
@@ -5,34 +5,33 @@
     <p:sldMasterId id="2147483828" r:id="rId1"/>
   </p:sldMasterIdLst>
   <p:notesMasterIdLst>
-    <p:notesMasterId r:id="rId24"/>
+    <p:notesMasterId r:id="rId23"/>
   </p:notesMasterIdLst>
   <p:handoutMasterIdLst>
-    <p:handoutMasterId r:id="rId25"/>
+    <p:handoutMasterId r:id="rId24"/>
   </p:handoutMasterIdLst>
   <p:sldIdLst>
     <p:sldId id="256" r:id="rId2"/>
     <p:sldId id="257" r:id="rId3"/>
-    <p:sldId id="319" r:id="rId4"/>
-    <p:sldId id="280" r:id="rId5"/>
-    <p:sldId id="286" r:id="rId6"/>
-    <p:sldId id="318" r:id="rId7"/>
-    <p:sldId id="293" r:id="rId8"/>
-    <p:sldId id="302" r:id="rId9"/>
-    <p:sldId id="298" r:id="rId10"/>
-    <p:sldId id="299" r:id="rId11"/>
-    <p:sldId id="305" r:id="rId12"/>
-    <p:sldId id="320" r:id="rId13"/>
-    <p:sldId id="296" r:id="rId14"/>
-    <p:sldId id="308" r:id="rId15"/>
-    <p:sldId id="310" r:id="rId16"/>
-    <p:sldId id="311" r:id="rId17"/>
-    <p:sldId id="312" r:id="rId18"/>
-    <p:sldId id="313" r:id="rId19"/>
-    <p:sldId id="314" r:id="rId20"/>
-    <p:sldId id="315" r:id="rId21"/>
-    <p:sldId id="316" r:id="rId22"/>
-    <p:sldId id="317" r:id="rId23"/>
+    <p:sldId id="280" r:id="rId4"/>
+    <p:sldId id="286" r:id="rId5"/>
+    <p:sldId id="318" r:id="rId6"/>
+    <p:sldId id="293" r:id="rId7"/>
+    <p:sldId id="302" r:id="rId8"/>
+    <p:sldId id="298" r:id="rId9"/>
+    <p:sldId id="299" r:id="rId10"/>
+    <p:sldId id="305" r:id="rId11"/>
+    <p:sldId id="320" r:id="rId12"/>
+    <p:sldId id="296" r:id="rId13"/>
+    <p:sldId id="308" r:id="rId14"/>
+    <p:sldId id="310" r:id="rId15"/>
+    <p:sldId id="311" r:id="rId16"/>
+    <p:sldId id="312" r:id="rId17"/>
+    <p:sldId id="313" r:id="rId18"/>
+    <p:sldId id="314" r:id="rId19"/>
+    <p:sldId id="315" r:id="rId20"/>
+    <p:sldId id="316" r:id="rId21"/>
+    <p:sldId id="317" r:id="rId22"/>
   </p:sldIdLst>
   <p:sldSz cx="9144000" cy="6858000" type="screen4x3"/>
   <p:notesSz cx="6858000" cy="9144000"/>
@@ -247,7 +246,7 @@
             <a:fld id="{B2B2FCEE-F6CE-4B8D-9B1B-4676A6BB0AFB}" type="datetimeFigureOut">
               <a:rPr lang="en-US" smtClean="0"/>
               <a:pPr/>
-              <a:t>9/9/2019</a:t>
+              <a:t>9/7/2020</a:t>
             </a:fld>
             <a:endParaRPr lang="en-US"/>
           </a:p>
@@ -414,7 +413,7 @@
             <a:fld id="{E1764091-E49F-4F14-951E-D59F416DB54B}" type="datetimeFigureOut">
               <a:rPr lang="en-US" smtClean="0"/>
               <a:pPr/>
-              <a:t>9/9/2019</a:t>
+              <a:t>9/7/2020</a:t>
             </a:fld>
             <a:endParaRPr lang="en-US" dirty="0"/>
           </a:p>
@@ -752,7 +751,7 @@
             <a:fld id="{4D70F4DB-2E8C-4365-A880-E48CDA094176}" type="datetime3">
               <a:rPr lang="en-US" smtClean="0"/>
               <a:pPr/>
-              <a:t>9 September 2019</a:t>
+              <a:t>7 September 2020</a:t>
             </a:fld>
             <a:endParaRPr lang="en-US" smtClean="0"/>
           </a:p>
@@ -865,7 +864,7 @@
             <a:fld id="{6E95D915-9A01-430B-BE16-95EEF089CB1E}" type="slidenum">
               <a:rPr lang="en-US" smtClean="0"/>
               <a:pPr/>
-              <a:t>18</a:t>
+              <a:t>17</a:t>
             </a:fld>
             <a:endParaRPr lang="en-US" dirty="0" smtClean="0"/>
           </a:p>
@@ -2408,102 +2407,6 @@
           <a:lstStyle/>
           <a:p>
             <a:r>
-              <a:rPr lang="en-US" dirty="0" err="1" smtClean="0"/>
-              <a:t>Dr</a:t>
-            </a:r>
-            <a:r>
-              <a:rPr lang="en-US" dirty="0" smtClean="0"/>
-              <a:t> Java – Lightweight IDE</a:t>
-            </a:r>
-            <a:endParaRPr lang="en-US" dirty="0"/>
-          </a:p>
-        </p:txBody>
-      </p:sp>
-      <p:pic>
-        <p:nvPicPr>
-          <p:cNvPr id="1026" name="Picture 2"/>
-          <p:cNvPicPr>
-            <a:picLocks noChangeAspect="1" noChangeArrowheads="1"/>
-          </p:cNvPicPr>
-          <p:nvPr/>
-        </p:nvPicPr>
-        <p:blipFill>
-          <a:blip r:embed="rId2" cstate="print"/>
-          <a:srcRect/>
-          <a:stretch>
-            <a:fillRect/>
-          </a:stretch>
-        </p:blipFill>
-        <p:spPr bwMode="auto">
-          <a:xfrm>
-            <a:off x="838200" y="1295400"/>
-            <a:ext cx="7543800" cy="5159037"/>
-          </a:xfrm>
-          <a:prstGeom prst="rect">
-            <a:avLst/>
-          </a:prstGeom>
-          <a:noFill/>
-          <a:ln w="9525">
-            <a:noFill/>
-            <a:miter lim="800000"/>
-            <a:headEnd/>
-            <a:tailEnd/>
-          </a:ln>
-        </p:spPr>
-      </p:pic>
-    </p:spTree>
-    <p:extLst>
-      <p:ext uri="{BB962C8B-B14F-4D97-AF65-F5344CB8AC3E}">
-        <p14:creationId xmlns:p14="http://schemas.microsoft.com/office/powerpoint/2010/main" val="3653996694"/>
-      </p:ext>
-    </p:extLst>
-  </p:cSld>
-  <p:clrMapOvr>
-    <a:masterClrMapping/>
-  </p:clrMapOvr>
-  <p:timing>
-    <p:tnLst>
-      <p:par>
-        <p:cTn id="1" dur="indefinite" restart="never" nodeType="tmRoot"/>
-      </p:par>
-    </p:tnLst>
-  </p:timing>
-</p:sld>
-</file>
-
-<file path=ppt/slides/slide11.xml><?xml version="1.0" encoding="utf-8"?>
-<p:sld xmlns:a="http://schemas.openxmlformats.org/drawingml/2006/main" xmlns:r="http://schemas.openxmlformats.org/officeDocument/2006/relationships" xmlns:p="http://schemas.openxmlformats.org/presentationml/2006/main">
-  <p:cSld>
-    <p:spTree>
-      <p:nvGrpSpPr>
-        <p:cNvPr id="1" name=""/>
-        <p:cNvGrpSpPr/>
-        <p:nvPr/>
-      </p:nvGrpSpPr>
-      <p:grpSpPr>
-        <a:xfrm>
-          <a:off x="0" y="0"/>
-          <a:ext cx="0" cy="0"/>
-          <a:chOff x="0" y="0"/>
-          <a:chExt cx="0" cy="0"/>
-        </a:xfrm>
-      </p:grpSpPr>
-      <p:sp>
-        <p:nvSpPr>
-          <p:cNvPr id="2" name="Title 1"/>
-          <p:cNvSpPr>
-            <a:spLocks noGrp="1"/>
-          </p:cNvSpPr>
-          <p:nvPr>
-            <p:ph type="title"/>
-          </p:nvPr>
-        </p:nvSpPr>
-        <p:spPr/>
-        <p:txBody>
-          <a:bodyPr/>
-          <a:lstStyle/>
-          <a:p>
-            <a:r>
               <a:rPr lang="en-US" dirty="0" smtClean="0"/>
               <a:t>Java Tutorial – Tutorials Point</a:t>
             </a:r>
@@ -2873,7 +2776,7 @@
 </p:sld>
 </file>
 
-<file path=ppt/slides/slide12.xml><?xml version="1.0" encoding="utf-8"?>
+<file path=ppt/slides/slide11.xml><?xml version="1.0" encoding="utf-8"?>
 <p:sld xmlns:a="http://schemas.openxmlformats.org/drawingml/2006/main" xmlns:r="http://schemas.openxmlformats.org/officeDocument/2006/relationships" xmlns:p="http://schemas.openxmlformats.org/presentationml/2006/main">
   <p:cSld>
     <p:spTree>
@@ -3005,7 +2908,7 @@
 </p:sld>
 </file>
 
-<file path=ppt/slides/slide13.xml><?xml version="1.0" encoding="utf-8"?>
+<file path=ppt/slides/slide12.xml><?xml version="1.0" encoding="utf-8"?>
 <p:sld xmlns:a="http://schemas.openxmlformats.org/drawingml/2006/main" xmlns:r="http://schemas.openxmlformats.org/officeDocument/2006/relationships" xmlns:p="http://schemas.openxmlformats.org/presentationml/2006/main">
   <p:cSld>
     <p:spTree>
@@ -3065,7 +2968,7 @@
 </p:sld>
 </file>
 
-<file path=ppt/slides/slide14.xml><?xml version="1.0" encoding="utf-8"?>
+<file path=ppt/slides/slide13.xml><?xml version="1.0" encoding="utf-8"?>
 <p:sld xmlns:a="http://schemas.openxmlformats.org/drawingml/2006/main" xmlns:r="http://schemas.openxmlformats.org/officeDocument/2006/relationships" xmlns:p="http://schemas.openxmlformats.org/presentationml/2006/main">
   <p:cSld>
     <p:spTree>
@@ -3275,7 +3178,7 @@
 </p:sld>
 </file>
 
-<file path=ppt/slides/slide15.xml><?xml version="1.0" encoding="utf-8"?>
+<file path=ppt/slides/slide14.xml><?xml version="1.0" encoding="utf-8"?>
 <p:sld xmlns:a="http://schemas.openxmlformats.org/drawingml/2006/main" xmlns:r="http://schemas.openxmlformats.org/officeDocument/2006/relationships" xmlns:p="http://schemas.openxmlformats.org/presentationml/2006/main">
   <p:cSld>
     <p:spTree>
@@ -3627,7 +3530,7 @@
 </p:sld>
 </file>
 
-<file path=ppt/slides/slide16.xml><?xml version="1.0" encoding="utf-8"?>
+<file path=ppt/slides/slide15.xml><?xml version="1.0" encoding="utf-8"?>
 <p:sld xmlns:a="http://schemas.openxmlformats.org/drawingml/2006/main" xmlns:r="http://schemas.openxmlformats.org/officeDocument/2006/relationships" xmlns:p="http://schemas.openxmlformats.org/presentationml/2006/main">
   <p:cSld>
     <p:spTree>
@@ -3848,7 +3751,7 @@
 </p:sld>
 </file>
 
-<file path=ppt/slides/slide17.xml><?xml version="1.0" encoding="utf-8"?>
+<file path=ppt/slides/slide16.xml><?xml version="1.0" encoding="utf-8"?>
 <p:sld xmlns:a="http://schemas.openxmlformats.org/drawingml/2006/main" xmlns:r="http://schemas.openxmlformats.org/officeDocument/2006/relationships" xmlns:p="http://schemas.openxmlformats.org/presentationml/2006/main">
   <p:cSld>
     <p:spTree>
@@ -3915,7 +3818,7 @@
 </p:sld>
 </file>
 
-<file path=ppt/slides/slide18.xml><?xml version="1.0" encoding="utf-8"?>
+<file path=ppt/slides/slide17.xml><?xml version="1.0" encoding="utf-8"?>
 <p:sld xmlns:a="http://schemas.openxmlformats.org/drawingml/2006/main" xmlns:r="http://schemas.openxmlformats.org/officeDocument/2006/relationships" xmlns:p="http://schemas.openxmlformats.org/presentationml/2006/main">
   <p:cSld>
     <p:spTree>
@@ -4325,7 +4228,7 @@
 </p:sld>
 </file>
 
-<file path=ppt/slides/slide19.xml><?xml version="1.0" encoding="utf-8"?>
+<file path=ppt/slides/slide18.xml><?xml version="1.0" encoding="utf-8"?>
 <p:sld xmlns:a="http://schemas.openxmlformats.org/drawingml/2006/main" xmlns:r="http://schemas.openxmlformats.org/officeDocument/2006/relationships" xmlns:p="http://schemas.openxmlformats.org/presentationml/2006/main">
   <p:cSld>
     <p:spTree>
@@ -4469,6 +4372,171 @@
     <p:extLst>
       <p:ext uri="{BB962C8B-B14F-4D97-AF65-F5344CB8AC3E}">
         <p14:creationId xmlns:p14="http://schemas.microsoft.com/office/powerpoint/2010/main" val="124579749"/>
+      </p:ext>
+    </p:extLst>
+  </p:cSld>
+  <p:clrMapOvr>
+    <a:masterClrMapping/>
+  </p:clrMapOvr>
+  <p:timing>
+    <p:tnLst>
+      <p:par>
+        <p:cTn id="1" dur="indefinite" restart="never" nodeType="tmRoot"/>
+      </p:par>
+    </p:tnLst>
+  </p:timing>
+</p:sld>
+</file>
+
+<file path=ppt/slides/slide19.xml><?xml version="1.0" encoding="utf-8"?>
+<p:sld xmlns:a="http://schemas.openxmlformats.org/drawingml/2006/main" xmlns:r="http://schemas.openxmlformats.org/officeDocument/2006/relationships" xmlns:p="http://schemas.openxmlformats.org/presentationml/2006/main">
+  <p:cSld>
+    <p:spTree>
+      <p:nvGrpSpPr>
+        <p:cNvPr id="1" name=""/>
+        <p:cNvGrpSpPr/>
+        <p:nvPr/>
+      </p:nvGrpSpPr>
+      <p:grpSpPr>
+        <a:xfrm>
+          <a:off x="0" y="0"/>
+          <a:ext cx="0" cy="0"/>
+          <a:chOff x="0" y="0"/>
+          <a:chExt cx="0" cy="0"/>
+        </a:xfrm>
+      </p:grpSpPr>
+      <p:sp>
+        <p:nvSpPr>
+          <p:cNvPr id="2" name="Title 1"/>
+          <p:cNvSpPr>
+            <a:spLocks noGrp="1"/>
+          </p:cNvSpPr>
+          <p:nvPr>
+            <p:ph type="title"/>
+          </p:nvPr>
+        </p:nvSpPr>
+        <p:spPr/>
+        <p:txBody>
+          <a:bodyPr/>
+          <a:lstStyle/>
+          <a:p>
+            <a:r>
+              <a:rPr lang="en-US" dirty="0" smtClean="0"/>
+              <a:t>Tools</a:t>
+            </a:r>
+            <a:endParaRPr lang="en-US" dirty="0"/>
+          </a:p>
+        </p:txBody>
+      </p:sp>
+      <p:sp>
+        <p:nvSpPr>
+          <p:cNvPr id="3" name="Content Placeholder 2"/>
+          <p:cNvSpPr>
+            <a:spLocks noGrp="1"/>
+          </p:cNvSpPr>
+          <p:nvPr>
+            <p:ph idx="1"/>
+          </p:nvPr>
+        </p:nvSpPr>
+        <p:spPr/>
+        <p:txBody>
+          <a:bodyPr/>
+          <a:lstStyle/>
+          <a:p>
+            <a:r>
+              <a:rPr lang="en-US" dirty="0" smtClean="0"/>
+              <a:t>Install</a:t>
+            </a:r>
+          </a:p>
+          <a:p>
+            <a:pPr lvl="1"/>
+            <a:r>
+              <a:rPr lang="en-US" dirty="0" smtClean="0"/>
+              <a:t>R</a:t>
+            </a:r>
+          </a:p>
+          <a:p>
+            <a:pPr lvl="2"/>
+            <a:r>
+              <a:rPr lang="en-US" dirty="0" smtClean="0"/>
+              <a:t>The R Project for Statistical Computing</a:t>
+            </a:r>
+          </a:p>
+          <a:p>
+            <a:pPr lvl="2"/>
+            <a:r>
+              <a:rPr lang="en-US" dirty="0" smtClean="0"/>
+              <a:t>URL: </a:t>
+            </a:r>
+            <a:r>
+              <a:rPr lang="en-US" dirty="0" smtClean="0">
+                <a:hlinkClick r:id="rId2"/>
+              </a:rPr>
+              <a:t>http</a:t>
+            </a:r>
+            <a:r>
+              <a:rPr lang="en-US" dirty="0">
+                <a:hlinkClick r:id="rId2"/>
+              </a:rPr>
+              <a:t>://www.r-project.org</a:t>
+            </a:r>
+            <a:r>
+              <a:rPr lang="en-US" dirty="0" smtClean="0">
+                <a:hlinkClick r:id="rId2"/>
+              </a:rPr>
+              <a:t>/</a:t>
+            </a:r>
+            <a:endParaRPr lang="en-US" dirty="0"/>
+          </a:p>
+          <a:p>
+            <a:pPr lvl="1"/>
+            <a:r>
+              <a:rPr lang="en-US" dirty="0" err="1" smtClean="0"/>
+              <a:t>RStudio</a:t>
+            </a:r>
+            <a:endParaRPr lang="en-US" dirty="0" smtClean="0"/>
+          </a:p>
+          <a:p>
+            <a:pPr lvl="2"/>
+            <a:r>
+              <a:rPr lang="en-US" dirty="0" smtClean="0"/>
+              <a:t>IDE for R</a:t>
+            </a:r>
+          </a:p>
+          <a:p>
+            <a:pPr lvl="2"/>
+            <a:r>
+              <a:rPr lang="en-US" dirty="0"/>
+              <a:t>URL: </a:t>
+            </a:r>
+            <a:r>
+              <a:rPr lang="en-US" dirty="0">
+                <a:hlinkClick r:id="rId3"/>
+              </a:rPr>
+              <a:t>http://www.rstudio.com</a:t>
+            </a:r>
+            <a:r>
+              <a:rPr lang="en-US" dirty="0" smtClean="0">
+                <a:hlinkClick r:id="rId3"/>
+              </a:rPr>
+              <a:t>/</a:t>
+            </a:r>
+            <a:endParaRPr lang="en-US" dirty="0" smtClean="0"/>
+          </a:p>
+          <a:p>
+            <a:pPr lvl="1"/>
+            <a:r>
+              <a:rPr lang="en-US" dirty="0" smtClean="0"/>
+              <a:t>Also at</a:t>
+            </a:r>
+            <a:endParaRPr lang="en-US" dirty="0"/>
+          </a:p>
+        </p:txBody>
+      </p:sp>
+    </p:spTree>
+    <p:extLst>
+      <p:ext uri="{BB962C8B-B14F-4D97-AF65-F5344CB8AC3E}">
+        <p14:creationId xmlns:p14="http://schemas.microsoft.com/office/powerpoint/2010/main" val="2171752278"/>
       </p:ext>
     </p:extLst>
   </p:cSld>
@@ -4643,171 +4711,6 @@
 </file>
 
 <file path=ppt/slides/slide20.xml><?xml version="1.0" encoding="utf-8"?>
-<p:sld xmlns:a="http://schemas.openxmlformats.org/drawingml/2006/main" xmlns:r="http://schemas.openxmlformats.org/officeDocument/2006/relationships" xmlns:p="http://schemas.openxmlformats.org/presentationml/2006/main">
-  <p:cSld>
-    <p:spTree>
-      <p:nvGrpSpPr>
-        <p:cNvPr id="1" name=""/>
-        <p:cNvGrpSpPr/>
-        <p:nvPr/>
-      </p:nvGrpSpPr>
-      <p:grpSpPr>
-        <a:xfrm>
-          <a:off x="0" y="0"/>
-          <a:ext cx="0" cy="0"/>
-          <a:chOff x="0" y="0"/>
-          <a:chExt cx="0" cy="0"/>
-        </a:xfrm>
-      </p:grpSpPr>
-      <p:sp>
-        <p:nvSpPr>
-          <p:cNvPr id="2" name="Title 1"/>
-          <p:cNvSpPr>
-            <a:spLocks noGrp="1"/>
-          </p:cNvSpPr>
-          <p:nvPr>
-            <p:ph type="title"/>
-          </p:nvPr>
-        </p:nvSpPr>
-        <p:spPr/>
-        <p:txBody>
-          <a:bodyPr/>
-          <a:lstStyle/>
-          <a:p>
-            <a:r>
-              <a:rPr lang="en-US" dirty="0" smtClean="0"/>
-              <a:t>Tools</a:t>
-            </a:r>
-            <a:endParaRPr lang="en-US" dirty="0"/>
-          </a:p>
-        </p:txBody>
-      </p:sp>
-      <p:sp>
-        <p:nvSpPr>
-          <p:cNvPr id="3" name="Content Placeholder 2"/>
-          <p:cNvSpPr>
-            <a:spLocks noGrp="1"/>
-          </p:cNvSpPr>
-          <p:nvPr>
-            <p:ph idx="1"/>
-          </p:nvPr>
-        </p:nvSpPr>
-        <p:spPr/>
-        <p:txBody>
-          <a:bodyPr/>
-          <a:lstStyle/>
-          <a:p>
-            <a:r>
-              <a:rPr lang="en-US" dirty="0" smtClean="0"/>
-              <a:t>Install</a:t>
-            </a:r>
-          </a:p>
-          <a:p>
-            <a:pPr lvl="1"/>
-            <a:r>
-              <a:rPr lang="en-US" dirty="0" smtClean="0"/>
-              <a:t>R</a:t>
-            </a:r>
-          </a:p>
-          <a:p>
-            <a:pPr lvl="2"/>
-            <a:r>
-              <a:rPr lang="en-US" dirty="0" smtClean="0"/>
-              <a:t>The R Project for Statistical Computing</a:t>
-            </a:r>
-          </a:p>
-          <a:p>
-            <a:pPr lvl="2"/>
-            <a:r>
-              <a:rPr lang="en-US" dirty="0" smtClean="0"/>
-              <a:t>URL: </a:t>
-            </a:r>
-            <a:r>
-              <a:rPr lang="en-US" dirty="0" smtClean="0">
-                <a:hlinkClick r:id="rId2"/>
-              </a:rPr>
-              <a:t>http</a:t>
-            </a:r>
-            <a:r>
-              <a:rPr lang="en-US" dirty="0">
-                <a:hlinkClick r:id="rId2"/>
-              </a:rPr>
-              <a:t>://www.r-project.org</a:t>
-            </a:r>
-            <a:r>
-              <a:rPr lang="en-US" dirty="0" smtClean="0">
-                <a:hlinkClick r:id="rId2"/>
-              </a:rPr>
-              <a:t>/</a:t>
-            </a:r>
-            <a:endParaRPr lang="en-US" dirty="0"/>
-          </a:p>
-          <a:p>
-            <a:pPr lvl="1"/>
-            <a:r>
-              <a:rPr lang="en-US" dirty="0" err="1" smtClean="0"/>
-              <a:t>RStudio</a:t>
-            </a:r>
-            <a:endParaRPr lang="en-US" dirty="0" smtClean="0"/>
-          </a:p>
-          <a:p>
-            <a:pPr lvl="2"/>
-            <a:r>
-              <a:rPr lang="en-US" dirty="0" smtClean="0"/>
-              <a:t>IDE for R</a:t>
-            </a:r>
-          </a:p>
-          <a:p>
-            <a:pPr lvl="2"/>
-            <a:r>
-              <a:rPr lang="en-US" dirty="0"/>
-              <a:t>URL: </a:t>
-            </a:r>
-            <a:r>
-              <a:rPr lang="en-US" dirty="0">
-                <a:hlinkClick r:id="rId3"/>
-              </a:rPr>
-              <a:t>http://www.rstudio.com</a:t>
-            </a:r>
-            <a:r>
-              <a:rPr lang="en-US" dirty="0" smtClean="0">
-                <a:hlinkClick r:id="rId3"/>
-              </a:rPr>
-              <a:t>/</a:t>
-            </a:r>
-            <a:endParaRPr lang="en-US" dirty="0" smtClean="0"/>
-          </a:p>
-          <a:p>
-            <a:pPr lvl="1"/>
-            <a:r>
-              <a:rPr lang="en-US" dirty="0" smtClean="0"/>
-              <a:t>Also at</a:t>
-            </a:r>
-            <a:endParaRPr lang="en-US" dirty="0"/>
-          </a:p>
-        </p:txBody>
-      </p:sp>
-    </p:spTree>
-    <p:extLst>
-      <p:ext uri="{BB962C8B-B14F-4D97-AF65-F5344CB8AC3E}">
-        <p14:creationId xmlns:p14="http://schemas.microsoft.com/office/powerpoint/2010/main" val="2171752278"/>
-      </p:ext>
-    </p:extLst>
-  </p:cSld>
-  <p:clrMapOvr>
-    <a:masterClrMapping/>
-  </p:clrMapOvr>
-  <p:timing>
-    <p:tnLst>
-      <p:par>
-        <p:cTn id="1" dur="indefinite" restart="never" nodeType="tmRoot"/>
-      </p:par>
-    </p:tnLst>
-  </p:timing>
-</p:sld>
-</file>
-
-<file path=ppt/slides/slide21.xml><?xml version="1.0" encoding="utf-8"?>
 <p:sld xmlns:a="http://schemas.openxmlformats.org/drawingml/2006/main" xmlns:r="http://schemas.openxmlformats.org/officeDocument/2006/relationships" xmlns:p="http://schemas.openxmlformats.org/presentationml/2006/main">
   <p:cSld>
     <p:spTree>
@@ -5020,7 +4923,7 @@
 </p:sld>
 </file>
 
-<file path=ppt/slides/slide22.xml><?xml version="1.0" encoding="utf-8"?>
+<file path=ppt/slides/slide21.xml><?xml version="1.0" encoding="utf-8"?>
 <p:sld xmlns:a="http://schemas.openxmlformats.org/drawingml/2006/main" xmlns:r="http://schemas.openxmlformats.org/officeDocument/2006/relationships" xmlns:p="http://schemas.openxmlformats.org/presentationml/2006/main">
   <p:cSld>
     <p:spTree>
@@ -5488,12 +5391,8 @@
           <a:lstStyle/>
           <a:p>
             <a:r>
-              <a:rPr lang="en-US" dirty="0" err="1" smtClean="0"/>
-              <a:t>Dr</a:t>
-            </a:r>
-            <a:r>
               <a:rPr lang="en-US" dirty="0" smtClean="0"/>
-              <a:t> Mullins Research Talk @ 1300</a:t>
+              <a:t>Educational Objectives</a:t>
             </a:r>
             <a:endParaRPr lang="en-US" dirty="0"/>
           </a:p>
@@ -5515,29 +5414,75 @@
           <a:lstStyle/>
           <a:p>
             <a:r>
-              <a:rPr lang="en-US" dirty="0" smtClean="0"/>
-              <a:t>Mandatory All ENG: Building 646 Room 102</a:t>
-            </a:r>
-          </a:p>
-          <a:p>
-            <a:r>
-              <a:rPr lang="en-US" dirty="0" smtClean="0"/>
-              <a:t>TODAY (10 Sept 2019)!</a:t>
-            </a:r>
-            <a:endParaRPr lang="en-US" dirty="0"/>
+              <a:rPr lang="en-US" sz="2400" dirty="0" smtClean="0"/>
+              <a:t>Object-oriented programming concepts</a:t>
+            </a:r>
+          </a:p>
+          <a:p>
+            <a:pPr lvl="1"/>
+            <a:r>
+              <a:rPr lang="en-US" sz="2000" dirty="0" smtClean="0"/>
+              <a:t>Knowledge of fundamental object-oriented concepts such as polymorphism, inheritance, encapsulation and operator overloading</a:t>
+            </a:r>
+          </a:p>
+          <a:p>
+            <a:pPr lvl="1"/>
+            <a:r>
+              <a:rPr lang="en-US" sz="2000" dirty="0" smtClean="0"/>
+              <a:t>Understanding of these concepts in a few popular languages</a:t>
+            </a:r>
+          </a:p>
+          <a:p>
+            <a:pPr lvl="2"/>
+            <a:r>
+              <a:rPr lang="en-US" sz="2000" dirty="0" smtClean="0"/>
+              <a:t>Java</a:t>
+            </a:r>
+          </a:p>
+          <a:p>
+            <a:pPr lvl="2"/>
+            <a:r>
+              <a:rPr lang="en-US" sz="2000" dirty="0" smtClean="0"/>
+              <a:t>Python</a:t>
+            </a:r>
+          </a:p>
+          <a:p>
+            <a:pPr lvl="2"/>
+            <a:r>
+              <a:rPr lang="en-US" sz="2000" dirty="0" smtClean="0"/>
+              <a:t>C++</a:t>
+            </a:r>
+          </a:p>
+          <a:p>
+            <a:endParaRPr lang="en-US" sz="2400" dirty="0"/>
+          </a:p>
+          <a:p>
+            <a:r>
+              <a:rPr lang="en-US" sz="2400" dirty="0" smtClean="0"/>
+              <a:t>Functional programming concepts (time permitting)</a:t>
+            </a:r>
+          </a:p>
+          <a:p>
+            <a:pPr lvl="1"/>
+            <a:r>
+              <a:rPr lang="en-US" sz="2000" dirty="0" smtClean="0"/>
+              <a:t>Concepts – difference between object-oriented concepts</a:t>
+            </a:r>
           </a:p>
         </p:txBody>
       </p:sp>
     </p:spTree>
-    <p:extLst>
-      <p:ext uri="{BB962C8B-B14F-4D97-AF65-F5344CB8AC3E}">
-        <p14:creationId xmlns:p14="http://schemas.microsoft.com/office/powerpoint/2010/main" val="2980510974"/>
-      </p:ext>
-    </p:extLst>
   </p:cSld>
   <p:clrMapOvr>
     <a:masterClrMapping/>
   </p:clrMapOvr>
+  <p:timing>
+    <p:tnLst>
+      <p:par>
+        <p:cTn id="1" dur="indefinite" restart="never" nodeType="tmRoot"/>
+      </p:par>
+    </p:tnLst>
+  </p:timing>
 </p:sld>
 </file>
 
@@ -5574,10 +5519,10 @@
           <a:lstStyle/>
           <a:p>
             <a:r>
-              <a:rPr lang="en-US" dirty="0" smtClean="0"/>
-              <a:t>Educational Objectives</a:t>
-            </a:r>
-            <a:endParaRPr lang="en-US" dirty="0"/>
+              <a:rPr lang="en-US" sz="4000" dirty="0" smtClean="0"/>
+              <a:t>Overall Structure</a:t>
+            </a:r>
+            <a:endParaRPr lang="en-US" sz="4000" dirty="0"/>
           </a:p>
         </p:txBody>
       </p:sp>
@@ -5597,60 +5542,80 @@
           <a:lstStyle/>
           <a:p>
             <a:r>
-              <a:rPr lang="en-US" sz="2400" dirty="0" smtClean="0"/>
-              <a:t>Object-oriented programming concepts</a:t>
-            </a:r>
+              <a:rPr lang="en-US" sz="2000" dirty="0"/>
+              <a:t>Week #</a:t>
+            </a:r>
+            <a:r>
+              <a:rPr lang="en-US" sz="2000" dirty="0" smtClean="0"/>
+              <a:t>1</a:t>
+            </a:r>
+            <a:endParaRPr lang="en-US" sz="1800" dirty="0"/>
           </a:p>
           <a:p>
             <a:pPr lvl="1"/>
             <a:r>
-              <a:rPr lang="en-US" sz="2000" dirty="0" smtClean="0"/>
-              <a:t>Knowledge of fundamental object-oriented concepts such as polymorphism, inheritance, encapsulation and operator overloading</a:t>
+              <a:rPr lang="en-US" sz="1800" dirty="0"/>
+              <a:t>Topic: </a:t>
+            </a:r>
+            <a:r>
+              <a:rPr lang="en-US" sz="1800" dirty="0" smtClean="0"/>
+              <a:t>Programming Tools, GIT, Java JDK, VS Code</a:t>
+            </a:r>
+            <a:endParaRPr lang="en-US" sz="1800" dirty="0"/>
+          </a:p>
+          <a:p>
+            <a:r>
+              <a:rPr lang="en-US" sz="2000" dirty="0"/>
+              <a:t>Week #2</a:t>
             </a:r>
           </a:p>
           <a:p>
             <a:pPr lvl="1"/>
             <a:r>
-              <a:rPr lang="en-US" sz="2000" dirty="0" smtClean="0"/>
-              <a:t>Understanding of these concepts in a few popular languages</a:t>
-            </a:r>
-          </a:p>
-          <a:p>
-            <a:pPr lvl="2"/>
-            <a:r>
-              <a:rPr lang="en-US" sz="2000" dirty="0" smtClean="0"/>
-              <a:t>Java</a:t>
-            </a:r>
-          </a:p>
-          <a:p>
-            <a:pPr lvl="2"/>
-            <a:r>
-              <a:rPr lang="en-US" sz="2000" dirty="0" smtClean="0"/>
-              <a:t>Python</a:t>
-            </a:r>
-          </a:p>
-          <a:p>
-            <a:pPr lvl="2"/>
-            <a:r>
-              <a:rPr lang="en-US" sz="2000" dirty="0" smtClean="0"/>
-              <a:t>C++</a:t>
-            </a:r>
-          </a:p>
-          <a:p>
-            <a:endParaRPr lang="en-US" sz="2400" dirty="0"/>
-          </a:p>
-          <a:p>
-            <a:r>
-              <a:rPr lang="en-US" sz="2400" dirty="0" smtClean="0"/>
-              <a:t>Functional programming concepts (time permitting)</a:t>
+              <a:rPr lang="en-US" sz="1800" dirty="0" smtClean="0"/>
+              <a:t>Topic</a:t>
+            </a:r>
+            <a:r>
+              <a:rPr lang="en-US" sz="1800" dirty="0"/>
+              <a:t>: Java – Fundamentals, procedural and OO programming</a:t>
+            </a:r>
+          </a:p>
+          <a:p>
+            <a:r>
+              <a:rPr lang="en-US" sz="2000" dirty="0"/>
+              <a:t>Week #3</a:t>
             </a:r>
           </a:p>
           <a:p>
             <a:pPr lvl="1"/>
             <a:r>
-              <a:rPr lang="en-US" sz="2000" dirty="0" smtClean="0"/>
-              <a:t>Concepts – difference between object-oriented concepts</a:t>
-            </a:r>
+              <a:rPr lang="en-US" sz="1800" dirty="0" smtClean="0"/>
+              <a:t>Topic</a:t>
+            </a:r>
+            <a:r>
+              <a:rPr lang="en-US" sz="1800" dirty="0"/>
+              <a:t>: Python – </a:t>
+            </a:r>
+            <a:r>
+              <a:rPr lang="en-US" sz="1800" dirty="0" smtClean="0"/>
+              <a:t>Fundamentals</a:t>
+            </a:r>
+            <a:r>
+              <a:rPr lang="en-US" sz="1800" dirty="0"/>
+              <a:t>, procedural and OO </a:t>
+            </a:r>
+            <a:r>
+              <a:rPr lang="en-US" sz="1800" dirty="0" smtClean="0"/>
+              <a:t>programming</a:t>
+            </a:r>
+          </a:p>
+          <a:p>
+            <a:pPr lvl="1"/>
+            <a:r>
+              <a:rPr lang="en-US" sz="1800" dirty="0" smtClean="0"/>
+              <a:t>Topic: Functional programming</a:t>
+            </a:r>
+            <a:endParaRPr lang="en-US" sz="1800" dirty="0"/>
           </a:p>
         </p:txBody>
       </p:sp>
@@ -5701,11 +5666,7 @@
           <a:bodyPr/>
           <a:lstStyle/>
           <a:p>
-            <a:r>
-              <a:rPr lang="en-US" sz="4000" dirty="0" smtClean="0"/>
-              <a:t>Overall Structure</a:t>
-            </a:r>
-            <a:endParaRPr lang="en-US" sz="4000" dirty="0"/>
+            <a:endParaRPr lang="en-US"/>
           </a:p>
         </p:txBody>
       </p:sp>
@@ -5725,135 +5686,75 @@
           <a:lstStyle/>
           <a:p>
             <a:r>
-              <a:rPr lang="en-US" sz="2000" dirty="0"/>
-              <a:t>Week #1</a:t>
+              <a:rPr lang="en-US" dirty="0" smtClean="0"/>
+              <a:t>GIT</a:t>
             </a:r>
           </a:p>
           <a:p>
             <a:pPr lvl="1"/>
             <a:r>
-              <a:rPr lang="en-US" sz="1800" dirty="0"/>
-              <a:t>Class: Mon-Fri </a:t>
-            </a:r>
-            <a:r>
-              <a:rPr lang="en-US" sz="1800" dirty="0" smtClean="0"/>
-              <a:t>(10 </a:t>
-            </a:r>
-            <a:r>
-              <a:rPr lang="en-US" sz="1800" dirty="0"/>
-              <a:t>Sept - </a:t>
-            </a:r>
-            <a:r>
-              <a:rPr lang="en-US" sz="1800" dirty="0" smtClean="0"/>
-              <a:t>12 </a:t>
-            </a:r>
-            <a:r>
-              <a:rPr lang="en-US" sz="1800" dirty="0"/>
-              <a:t>Sept)</a:t>
+              <a:rPr lang="en-US" dirty="0" smtClean="0"/>
+              <a:t>Distributed Version Control System</a:t>
             </a:r>
           </a:p>
           <a:p>
             <a:pPr lvl="1"/>
             <a:r>
-              <a:rPr lang="en-US" sz="1800" dirty="0"/>
-              <a:t>Topic: </a:t>
-            </a:r>
-            <a:r>
-              <a:rPr lang="en-US" sz="1800" dirty="0" smtClean="0"/>
-              <a:t>Programming Tools, GIT, Java JDK, VS Code</a:t>
-            </a:r>
-            <a:endParaRPr lang="en-US" sz="1800" dirty="0"/>
-          </a:p>
-          <a:p>
-            <a:r>
-              <a:rPr lang="en-US" sz="2000" dirty="0"/>
-              <a:t>Week #2</a:t>
-            </a:r>
+              <a:rPr lang="en-US" dirty="0" smtClean="0">
+                <a:hlinkClick r:id="rId2"/>
+              </a:rPr>
+              <a:t>https</a:t>
+            </a:r>
+            <a:r>
+              <a:rPr lang="en-US" dirty="0">
+                <a:hlinkClick r:id="rId2"/>
+              </a:rPr>
+              <a:t>://</a:t>
+            </a:r>
+            <a:r>
+              <a:rPr lang="en-US" dirty="0" smtClean="0">
+                <a:hlinkClick r:id="rId2"/>
+              </a:rPr>
+              <a:t>try.github.io/levels/1/challenges/1</a:t>
+            </a:r>
+            <a:endParaRPr lang="en-US" dirty="0" smtClean="0"/>
           </a:p>
           <a:p>
             <a:pPr lvl="1"/>
             <a:r>
-              <a:rPr lang="en-US" sz="1800" dirty="0"/>
-              <a:t>Class: Tues-Fri </a:t>
-            </a:r>
-            <a:r>
-              <a:rPr lang="en-US" sz="1800" dirty="0" smtClean="0"/>
-              <a:t>(17-19 </a:t>
-            </a:r>
-            <a:r>
-              <a:rPr lang="en-US" sz="1800" dirty="0"/>
-              <a:t>Sept)</a:t>
-            </a:r>
-          </a:p>
-          <a:p>
-            <a:pPr lvl="1"/>
-            <a:r>
-              <a:rPr lang="en-US" sz="1800" dirty="0"/>
-              <a:t>Topic: Java – Fundamentals, procedural and OO programming</a:t>
-            </a:r>
-          </a:p>
-          <a:p>
-            <a:r>
-              <a:rPr lang="en-US" sz="2000" dirty="0"/>
-              <a:t>Week #3</a:t>
-            </a:r>
-          </a:p>
-          <a:p>
-            <a:pPr lvl="1"/>
-            <a:r>
-              <a:rPr lang="en-US" sz="1800" dirty="0"/>
-              <a:t>Class: Mon-Fri (</a:t>
-            </a:r>
-            <a:r>
-              <a:rPr lang="en-US" sz="1800" dirty="0" smtClean="0"/>
-              <a:t>14-26 </a:t>
-            </a:r>
-            <a:r>
-              <a:rPr lang="en-US" sz="1800" dirty="0"/>
-              <a:t>Sept)</a:t>
-            </a:r>
-          </a:p>
-          <a:p>
-            <a:pPr lvl="1"/>
-            <a:r>
-              <a:rPr lang="en-US" sz="1800" dirty="0"/>
-              <a:t>Topic: Python – </a:t>
-            </a:r>
-            <a:r>
-              <a:rPr lang="en-US" sz="1800" dirty="0" smtClean="0"/>
-              <a:t>Fundamentals</a:t>
-            </a:r>
-            <a:r>
-              <a:rPr lang="en-US" sz="1800" dirty="0"/>
-              <a:t>, procedural and OO </a:t>
-            </a:r>
-            <a:r>
-              <a:rPr lang="en-US" sz="1800" dirty="0" smtClean="0"/>
-              <a:t>programming</a:t>
-            </a:r>
-          </a:p>
-          <a:p>
-            <a:pPr lvl="1"/>
-            <a:r>
-              <a:rPr lang="en-US" sz="1800" dirty="0" smtClean="0"/>
-              <a:t>Topic: Functional programming</a:t>
-            </a:r>
-            <a:endParaRPr lang="en-US" sz="1800" dirty="0"/>
+              <a:rPr lang="en-US" dirty="0">
+                <a:hlinkClick r:id="rId3"/>
+              </a:rPr>
+              <a:t>https://</a:t>
+            </a:r>
+            <a:r>
+              <a:rPr lang="en-US" dirty="0" smtClean="0">
+                <a:hlinkClick r:id="rId3"/>
+              </a:rPr>
+              <a:t>www.youtube.com/watch?v=cEGIFZDyszA&amp;list=PL6gx4Cwl9DGAKWClAD_iKpNC0bGHxGhcx</a:t>
+            </a:r>
+            <a:endParaRPr lang="en-US" dirty="0" smtClean="0"/>
+          </a:p>
+          <a:p>
+            <a:pPr lvl="2"/>
+            <a:r>
+              <a:rPr lang="en-US" dirty="0" smtClean="0"/>
+              <a:t>GIT Tutorials on YouTube</a:t>
+            </a:r>
+            <a:endParaRPr lang="en-US" dirty="0"/>
           </a:p>
         </p:txBody>
       </p:sp>
     </p:spTree>
+    <p:extLst>
+      <p:ext uri="{BB962C8B-B14F-4D97-AF65-F5344CB8AC3E}">
+        <p14:creationId xmlns:p14="http://schemas.microsoft.com/office/powerpoint/2010/main" val="366964817"/>
+      </p:ext>
+    </p:extLst>
   </p:cSld>
   <p:clrMapOvr>
     <a:masterClrMapping/>
   </p:clrMapOvr>
-  <p:timing>
-    <p:tnLst>
-      <p:par>
-        <p:cTn id="1" dur="indefinite" restart="never" nodeType="tmRoot"/>
-      </p:par>
-    </p:tnLst>
-  </p:timing>
 </p:sld>
 </file>
 
@@ -5876,12 +5777,12 @@
       </p:grpSpPr>
       <p:sp>
         <p:nvSpPr>
-          <p:cNvPr id="2" name="Title 1"/>
+          <p:cNvPr id="4" name="Title 3"/>
           <p:cNvSpPr>
             <a:spLocks noGrp="1"/>
           </p:cNvSpPr>
           <p:nvPr>
-            <p:ph type="title"/>
+            <p:ph type="ctrTitle"/>
           </p:nvPr>
         </p:nvSpPr>
         <p:spPr/>
@@ -5889,80 +5790,9 @@
           <a:bodyPr/>
           <a:lstStyle/>
           <a:p>
-            <a:endParaRPr lang="en-US"/>
-          </a:p>
-        </p:txBody>
-      </p:sp>
-      <p:sp>
-        <p:nvSpPr>
-          <p:cNvPr id="3" name="Content Placeholder 2"/>
-          <p:cNvSpPr>
-            <a:spLocks noGrp="1"/>
-          </p:cNvSpPr>
-          <p:nvPr>
-            <p:ph idx="1"/>
-          </p:nvPr>
-        </p:nvSpPr>
-        <p:spPr/>
-        <p:txBody>
-          <a:bodyPr/>
-          <a:lstStyle/>
-          <a:p>
             <a:r>
               <a:rPr lang="en-US" dirty="0" smtClean="0"/>
-              <a:t>GIT</a:t>
-            </a:r>
-          </a:p>
-          <a:p>
-            <a:pPr lvl="1"/>
-            <a:r>
-              <a:rPr lang="en-US" dirty="0" smtClean="0"/>
-              <a:t>Distributed Version Control System</a:t>
-            </a:r>
-          </a:p>
-          <a:p>
-            <a:pPr lvl="1"/>
-            <a:r>
-              <a:rPr lang="en-US" dirty="0" smtClean="0">
-                <a:hlinkClick r:id="rId2"/>
-              </a:rPr>
-              <a:t>https</a:t>
-            </a:r>
-            <a:r>
-              <a:rPr lang="en-US" dirty="0">
-                <a:hlinkClick r:id="rId2"/>
-              </a:rPr>
-              <a:t>://</a:t>
-            </a:r>
-            <a:r>
-              <a:rPr lang="en-US" dirty="0" smtClean="0">
-                <a:hlinkClick r:id="rId2"/>
-              </a:rPr>
-              <a:t>try.github.io/levels/1/challenges/1</a:t>
-            </a:r>
-            <a:endParaRPr lang="en-US" dirty="0" smtClean="0"/>
-          </a:p>
-          <a:p>
-            <a:pPr lvl="1"/>
-            <a:r>
-              <a:rPr lang="en-US" dirty="0">
-                <a:hlinkClick r:id="rId3"/>
-              </a:rPr>
-              <a:t>https://</a:t>
-            </a:r>
-            <a:r>
-              <a:rPr lang="en-US" dirty="0" smtClean="0">
-                <a:hlinkClick r:id="rId3"/>
-              </a:rPr>
-              <a:t>www.youtube.com/watch?v=cEGIFZDyszA&amp;list=PL6gx4Cwl9DGAKWClAD_iKpNC0bGHxGhcx</a:t>
-            </a:r>
-            <a:endParaRPr lang="en-US" dirty="0" smtClean="0"/>
-          </a:p>
-          <a:p>
-            <a:pPr lvl="2"/>
-            <a:r>
-              <a:rPr lang="en-US" dirty="0" smtClean="0"/>
-              <a:t>GIT Tutorials on YouTube</a:t>
+              <a:t>Programming in Java</a:t>
             </a:r>
             <a:endParaRPr lang="en-US" dirty="0"/>
           </a:p>
@@ -5971,13 +5801,20 @@
     </p:spTree>
     <p:extLst>
       <p:ext uri="{BB962C8B-B14F-4D97-AF65-F5344CB8AC3E}">
-        <p14:creationId xmlns:p14="http://schemas.microsoft.com/office/powerpoint/2010/main" val="366964817"/>
+        <p14:creationId xmlns:p14="http://schemas.microsoft.com/office/powerpoint/2010/main" val="2178323439"/>
       </p:ext>
     </p:extLst>
   </p:cSld>
   <p:clrMapOvr>
     <a:masterClrMapping/>
   </p:clrMapOvr>
+  <p:timing>
+    <p:tnLst>
+      <p:par>
+        <p:cTn id="1" dur="indefinite" restart="never" nodeType="tmRoot"/>
+      </p:par>
+    </p:tnLst>
+  </p:timing>
 </p:sld>
 </file>
 
@@ -6000,66 +5837,6 @@
       </p:grpSpPr>
       <p:sp>
         <p:nvSpPr>
-          <p:cNvPr id="4" name="Title 3"/>
-          <p:cNvSpPr>
-            <a:spLocks noGrp="1"/>
-          </p:cNvSpPr>
-          <p:nvPr>
-            <p:ph type="ctrTitle"/>
-          </p:nvPr>
-        </p:nvSpPr>
-        <p:spPr/>
-        <p:txBody>
-          <a:bodyPr/>
-          <a:lstStyle/>
-          <a:p>
-            <a:r>
-              <a:rPr lang="en-US" dirty="0" smtClean="0"/>
-              <a:t>Programming in Java</a:t>
-            </a:r>
-            <a:endParaRPr lang="en-US" dirty="0"/>
-          </a:p>
-        </p:txBody>
-      </p:sp>
-    </p:spTree>
-    <p:extLst>
-      <p:ext uri="{BB962C8B-B14F-4D97-AF65-F5344CB8AC3E}">
-        <p14:creationId xmlns:p14="http://schemas.microsoft.com/office/powerpoint/2010/main" val="2178323439"/>
-      </p:ext>
-    </p:extLst>
-  </p:cSld>
-  <p:clrMapOvr>
-    <a:masterClrMapping/>
-  </p:clrMapOvr>
-  <p:timing>
-    <p:tnLst>
-      <p:par>
-        <p:cTn id="1" dur="indefinite" restart="never" nodeType="tmRoot"/>
-      </p:par>
-    </p:tnLst>
-  </p:timing>
-</p:sld>
-</file>
-
-<file path=ppt/slides/slide8.xml><?xml version="1.0" encoding="utf-8"?>
-<p:sld xmlns:a="http://schemas.openxmlformats.org/drawingml/2006/main" xmlns:r="http://schemas.openxmlformats.org/officeDocument/2006/relationships" xmlns:p="http://schemas.openxmlformats.org/presentationml/2006/main">
-  <p:cSld>
-    <p:spTree>
-      <p:nvGrpSpPr>
-        <p:cNvPr id="1" name=""/>
-        <p:cNvGrpSpPr/>
-        <p:nvPr/>
-      </p:nvGrpSpPr>
-      <p:grpSpPr>
-        <a:xfrm>
-          <a:off x="0" y="0"/>
-          <a:ext cx="0" cy="0"/>
-          <a:chOff x="0" y="0"/>
-          <a:chExt cx="0" cy="0"/>
-        </a:xfrm>
-      </p:grpSpPr>
-      <p:sp>
-        <p:nvSpPr>
           <p:cNvPr id="2" name="Title 1"/>
           <p:cNvSpPr>
             <a:spLocks noGrp="1"/>
@@ -6155,11 +5932,7 @@
             <a:pPr lvl="1"/>
             <a:r>
               <a:rPr lang="en-US" dirty="0" smtClean="0"/>
-              <a:t>IntelliJ </a:t>
-            </a:r>
-            <a:r>
-              <a:rPr lang="en-US" dirty="0" smtClean="0"/>
-              <a:t>IDEA</a:t>
+              <a:t>IntelliJ IDEA</a:t>
             </a:r>
             <a:endParaRPr lang="en-US" dirty="0"/>
           </a:p>
@@ -6193,7 +5966,7 @@
 </p:sld>
 </file>
 
-<file path=ppt/slides/slide9.xml><?xml version="1.0" encoding="utf-8"?>
+<file path=ppt/slides/slide8.xml><?xml version="1.0" encoding="utf-8"?>
 <p:sld xmlns:a="http://schemas.openxmlformats.org/drawingml/2006/main" xmlns:r="http://schemas.openxmlformats.org/officeDocument/2006/relationships" xmlns:p="http://schemas.openxmlformats.org/presentationml/2006/main">
   <p:cSld>
     <p:spTree>
@@ -6291,6 +6064,102 @@
     <p:extLst>
       <p:ext uri="{BB962C8B-B14F-4D97-AF65-F5344CB8AC3E}">
         <p14:creationId xmlns:p14="http://schemas.microsoft.com/office/powerpoint/2010/main" val="3677459462"/>
+      </p:ext>
+    </p:extLst>
+  </p:cSld>
+  <p:clrMapOvr>
+    <a:masterClrMapping/>
+  </p:clrMapOvr>
+  <p:timing>
+    <p:tnLst>
+      <p:par>
+        <p:cTn id="1" dur="indefinite" restart="never" nodeType="tmRoot"/>
+      </p:par>
+    </p:tnLst>
+  </p:timing>
+</p:sld>
+</file>
+
+<file path=ppt/slides/slide9.xml><?xml version="1.0" encoding="utf-8"?>
+<p:sld xmlns:a="http://schemas.openxmlformats.org/drawingml/2006/main" xmlns:r="http://schemas.openxmlformats.org/officeDocument/2006/relationships" xmlns:p="http://schemas.openxmlformats.org/presentationml/2006/main">
+  <p:cSld>
+    <p:spTree>
+      <p:nvGrpSpPr>
+        <p:cNvPr id="1" name=""/>
+        <p:cNvGrpSpPr/>
+        <p:nvPr/>
+      </p:nvGrpSpPr>
+      <p:grpSpPr>
+        <a:xfrm>
+          <a:off x="0" y="0"/>
+          <a:ext cx="0" cy="0"/>
+          <a:chOff x="0" y="0"/>
+          <a:chExt cx="0" cy="0"/>
+        </a:xfrm>
+      </p:grpSpPr>
+      <p:sp>
+        <p:nvSpPr>
+          <p:cNvPr id="2" name="Title 1"/>
+          <p:cNvSpPr>
+            <a:spLocks noGrp="1"/>
+          </p:cNvSpPr>
+          <p:nvPr>
+            <p:ph type="title"/>
+          </p:nvPr>
+        </p:nvSpPr>
+        <p:spPr/>
+        <p:txBody>
+          <a:bodyPr/>
+          <a:lstStyle/>
+          <a:p>
+            <a:r>
+              <a:rPr lang="en-US" dirty="0" err="1" smtClean="0"/>
+              <a:t>Dr</a:t>
+            </a:r>
+            <a:r>
+              <a:rPr lang="en-US" dirty="0" smtClean="0"/>
+              <a:t> Java – Lightweight IDE</a:t>
+            </a:r>
+            <a:endParaRPr lang="en-US" dirty="0"/>
+          </a:p>
+        </p:txBody>
+      </p:sp>
+      <p:pic>
+        <p:nvPicPr>
+          <p:cNvPr id="1026" name="Picture 2"/>
+          <p:cNvPicPr>
+            <a:picLocks noChangeAspect="1" noChangeArrowheads="1"/>
+          </p:cNvPicPr>
+          <p:nvPr/>
+        </p:nvPicPr>
+        <p:blipFill>
+          <a:blip r:embed="rId2" cstate="print"/>
+          <a:srcRect/>
+          <a:stretch>
+            <a:fillRect/>
+          </a:stretch>
+        </p:blipFill>
+        <p:spPr bwMode="auto">
+          <a:xfrm>
+            <a:off x="838200" y="1295400"/>
+            <a:ext cx="7543800" cy="5159037"/>
+          </a:xfrm>
+          <a:prstGeom prst="rect">
+            <a:avLst/>
+          </a:prstGeom>
+          <a:noFill/>
+          <a:ln w="9525">
+            <a:noFill/>
+            <a:miter lim="800000"/>
+            <a:headEnd/>
+            <a:tailEnd/>
+          </a:ln>
+        </p:spPr>
+      </p:pic>
+    </p:spTree>
+    <p:extLst>
+      <p:ext uri="{BB962C8B-B14F-4D97-AF65-F5344CB8AC3E}">
+        <p14:creationId xmlns:p14="http://schemas.microsoft.com/office/powerpoint/2010/main" val="3653996694"/>
       </p:ext>
     </p:extLst>
   </p:cSld>

--- a/slides/00-course-intro.pptx
+++ b/slides/00-course-intro.pptx
@@ -246,7 +246,7 @@
             <a:fld id="{B2B2FCEE-F6CE-4B8D-9B1B-4676A6BB0AFB}" type="datetimeFigureOut">
               <a:rPr lang="en-US" smtClean="0"/>
               <a:pPr/>
-              <a:t>9/7/2020</a:t>
+              <a:t>9/8/2020</a:t>
             </a:fld>
             <a:endParaRPr lang="en-US"/>
           </a:p>
@@ -413,7 +413,7 @@
             <a:fld id="{E1764091-E49F-4F14-951E-D59F416DB54B}" type="datetimeFigureOut">
               <a:rPr lang="en-US" smtClean="0"/>
               <a:pPr/>
-              <a:t>9/7/2020</a:t>
+              <a:t>9/8/2020</a:t>
             </a:fld>
             <a:endParaRPr lang="en-US" dirty="0"/>
           </a:p>
@@ -751,7 +751,7 @@
             <a:fld id="{4D70F4DB-2E8C-4365-A880-E48CDA094176}" type="datetime3">
               <a:rPr lang="en-US" smtClean="0"/>
               <a:pPr/>
-              <a:t>7 September 2020</a:t>
+              <a:t>8 September 2020</a:t>
             </a:fld>
             <a:endParaRPr lang="en-US" smtClean="0"/>
           </a:p>
@@ -4618,21 +4618,11 @@
             <a:pPr lvl="1"/>
             <a:r>
               <a:rPr lang="en-US" sz="2000" dirty="0" smtClean="0"/>
-              <a:t>Date: 10 Sept - 26 Sept</a:t>
-            </a:r>
-          </a:p>
-          <a:p>
-            <a:pPr lvl="1"/>
+              <a:t>Location</a:t>
+            </a:r>
             <a:r>
               <a:rPr lang="en-US" sz="2000" dirty="0" smtClean="0"/>
-              <a:t>Time: 0800-1100</a:t>
-            </a:r>
-          </a:p>
-          <a:p>
-            <a:pPr lvl="1"/>
-            <a:r>
-              <a:rPr lang="en-US" sz="2000" dirty="0" smtClean="0"/>
-              <a:t>Location: </a:t>
+              <a:t>: </a:t>
             </a:r>
             <a:r>
               <a:rPr lang="en-US" sz="2000" dirty="0" err="1" smtClean="0"/>

--- a/slides/00-course-intro.pptx
+++ b/slides/00-course-intro.pptx
@@ -5,10 +5,10 @@
     <p:sldMasterId id="2147483828" r:id="rId1"/>
   </p:sldMasterIdLst>
   <p:notesMasterIdLst>
-    <p:notesMasterId r:id="rId23"/>
+    <p:notesMasterId r:id="rId17"/>
   </p:notesMasterIdLst>
   <p:handoutMasterIdLst>
-    <p:handoutMasterId r:id="rId24"/>
+    <p:handoutMasterId r:id="rId18"/>
   </p:handoutMasterIdLst>
   <p:sldIdLst>
     <p:sldId id="256" r:id="rId2"/>
@@ -26,12 +26,6 @@
     <p:sldId id="308" r:id="rId14"/>
     <p:sldId id="310" r:id="rId15"/>
     <p:sldId id="311" r:id="rId16"/>
-    <p:sldId id="312" r:id="rId17"/>
-    <p:sldId id="313" r:id="rId18"/>
-    <p:sldId id="314" r:id="rId19"/>
-    <p:sldId id="315" r:id="rId20"/>
-    <p:sldId id="316" r:id="rId21"/>
-    <p:sldId id="317" r:id="rId22"/>
   </p:sldIdLst>
   <p:sldSz cx="9144000" cy="6858000" type="screen4x3"/>
   <p:notesSz cx="6858000" cy="9144000"/>
@@ -246,7 +240,7 @@
             <a:fld id="{B2B2FCEE-F6CE-4B8D-9B1B-4676A6BB0AFB}" type="datetimeFigureOut">
               <a:rPr lang="en-US" smtClean="0"/>
               <a:pPr/>
-              <a:t>9/8/2020</a:t>
+              <a:t>9/13/2021</a:t>
             </a:fld>
             <a:endParaRPr lang="en-US"/>
           </a:p>
@@ -413,7 +407,7 @@
             <a:fld id="{E1764091-E49F-4F14-951E-D59F416DB54B}" type="datetimeFigureOut">
               <a:rPr lang="en-US" smtClean="0"/>
               <a:pPr/>
-              <a:t>9/8/2020</a:t>
+              <a:t>9/13/2021</a:t>
             </a:fld>
             <a:endParaRPr lang="en-US" dirty="0"/>
           </a:p>
@@ -479,38 +473,37 @@
           <a:p>
             <a:pPr lvl="0"/>
             <a:r>
-              <a:rPr lang="en-US" smtClean="0"/>
+              <a:rPr lang="en-US"/>
               <a:t>Click to edit Master text styles</a:t>
             </a:r>
           </a:p>
           <a:p>
             <a:pPr lvl="1"/>
             <a:r>
-              <a:rPr lang="en-US" smtClean="0"/>
+              <a:rPr lang="en-US"/>
               <a:t>Second level</a:t>
             </a:r>
           </a:p>
           <a:p>
             <a:pPr lvl="2"/>
             <a:r>
-              <a:rPr lang="en-US" smtClean="0"/>
+              <a:rPr lang="en-US"/>
               <a:t>Third level</a:t>
             </a:r>
           </a:p>
           <a:p>
             <a:pPr lvl="3"/>
             <a:r>
-              <a:rPr lang="en-US" smtClean="0"/>
+              <a:rPr lang="en-US"/>
               <a:t>Fourth level</a:t>
             </a:r>
           </a:p>
           <a:p>
             <a:pPr lvl="4"/>
             <a:r>
-              <a:rPr lang="en-US" smtClean="0"/>
+              <a:rPr lang="en-US"/>
               <a:t>Fifth level</a:t>
             </a:r>
-            <a:endParaRPr lang="en-US"/>
           </a:p>
         </p:txBody>
       </p:sp>
@@ -719,13 +712,13 @@
           <a:lstStyle/>
           <a:p>
             <a:r>
-              <a:rPr lang="en-US" smtClean="0"/>
+              <a:rPr lang="en-US"/>
               <a:t>Air Force Institute of Technology</a:t>
             </a:r>
           </a:p>
           <a:p>
             <a:r>
-              <a:rPr lang="en-US" smtClean="0"/>
+              <a:rPr lang="en-US"/>
               <a:t>Electrical and Computer Engineering</a:t>
             </a:r>
           </a:p>
@@ -751,9 +744,9 @@
             <a:fld id="{4D70F4DB-2E8C-4365-A880-E48CDA094176}" type="datetime3">
               <a:rPr lang="en-US" smtClean="0"/>
               <a:pPr/>
-              <a:t>8 September 2020</a:t>
+              <a:t>13 September 2021</a:t>
             </a:fld>
-            <a:endParaRPr lang="en-US" smtClean="0"/>
+            <a:endParaRPr lang="en-US"/>
           </a:p>
         </p:txBody>
       </p:sp>
@@ -779,7 +772,7 @@
               <a:pPr/>
               <a:t>2</a:t>
             </a:fld>
-            <a:endParaRPr lang="en-US" smtClean="0"/>
+            <a:endParaRPr lang="en-US"/>
           </a:p>
         </p:txBody>
       </p:sp>
@@ -815,95 +808,7 @@
           <a:bodyPr/>
           <a:lstStyle/>
           <a:p>
-            <a:endParaRPr lang="en-US" smtClean="0"/>
-          </a:p>
-        </p:txBody>
-      </p:sp>
-    </p:spTree>
-  </p:cSld>
-  <p:clrMapOvr>
-    <a:masterClrMapping/>
-  </p:clrMapOvr>
-</p:notes>
-</file>
-
-<file path=ppt/notesSlides/notesSlide2.xml><?xml version="1.0" encoding="utf-8"?>
-<p:notes xmlns:a="http://schemas.openxmlformats.org/drawingml/2006/main" xmlns:r="http://schemas.openxmlformats.org/officeDocument/2006/relationships" xmlns:p="http://schemas.openxmlformats.org/presentationml/2006/main">
-  <p:cSld>
-    <p:spTree>
-      <p:nvGrpSpPr>
-        <p:cNvPr id="1" name=""/>
-        <p:cNvGrpSpPr/>
-        <p:nvPr/>
-      </p:nvGrpSpPr>
-      <p:grpSpPr>
-        <a:xfrm>
-          <a:off x="0" y="0"/>
-          <a:ext cx="0" cy="0"/>
-          <a:chOff x="0" y="0"/>
-          <a:chExt cx="0" cy="0"/>
-        </a:xfrm>
-      </p:grpSpPr>
-      <p:sp>
-        <p:nvSpPr>
-          <p:cNvPr id="39938" name="Rectangle 7"/>
-          <p:cNvSpPr>
-            <a:spLocks noGrp="1" noChangeArrowheads="1"/>
-          </p:cNvSpPr>
-          <p:nvPr>
-            <p:ph type="sldNum" sz="quarter" idx="5"/>
-          </p:nvPr>
-        </p:nvSpPr>
-        <p:spPr>
-          <a:noFill/>
-        </p:spPr>
-        <p:txBody>
-          <a:bodyPr/>
-          <a:lstStyle/>
-          <a:p>
-            <a:fld id="{6E95D915-9A01-430B-BE16-95EEF089CB1E}" type="slidenum">
-              <a:rPr lang="en-US" smtClean="0"/>
-              <a:pPr/>
-              <a:t>17</a:t>
-            </a:fld>
-            <a:endParaRPr lang="en-US" dirty="0" smtClean="0"/>
-          </a:p>
-        </p:txBody>
-      </p:sp>
-      <p:sp>
-        <p:nvSpPr>
-          <p:cNvPr id="39939" name="Rectangle 2"/>
-          <p:cNvSpPr>
-            <a:spLocks noGrp="1" noRot="1" noChangeAspect="1" noChangeArrowheads="1" noTextEdit="1"/>
-          </p:cNvSpPr>
-          <p:nvPr>
-            <p:ph type="sldImg"/>
-          </p:nvPr>
-        </p:nvSpPr>
-        <p:spPr>
-          <a:ln/>
-        </p:spPr>
-      </p:sp>
-      <p:sp>
-        <p:nvSpPr>
-          <p:cNvPr id="39940" name="Rectangle 3"/>
-          <p:cNvSpPr>
-            <a:spLocks noGrp="1" noChangeArrowheads="1"/>
-          </p:cNvSpPr>
-          <p:nvPr>
-            <p:ph type="body" idx="1"/>
-          </p:nvPr>
-        </p:nvSpPr>
-        <p:spPr>
-          <a:noFill/>
-          <a:ln/>
-        </p:spPr>
-        <p:txBody>
-          <a:bodyPr/>
-          <a:lstStyle/>
-          <a:p>
-            <a:pPr eaLnBrk="1" hangingPunct="1"/>
-            <a:endParaRPr lang="en-US" dirty="0" smtClean="0"/>
+            <a:endParaRPr lang="en-US"/>
           </a:p>
         </p:txBody>
       </p:sp>
@@ -956,10 +861,9 @@
           <a:lstStyle/>
           <a:p>
             <a:r>
-              <a:rPr lang="en-US" smtClean="0"/>
+              <a:rPr lang="en-US"/>
               <a:t>Click to edit Master title style</a:t>
             </a:r>
-            <a:endParaRPr lang="en-US"/>
           </a:p>
         </p:txBody>
       </p:sp>
@@ -1078,10 +982,9 @@
           </a:lstStyle>
           <a:p>
             <a:r>
-              <a:rPr lang="en-US" smtClean="0"/>
+              <a:rPr lang="en-US"/>
               <a:t>Click to edit Master subtitle style</a:t>
             </a:r>
-            <a:endParaRPr lang="en-US"/>
           </a:p>
         </p:txBody>
       </p:sp>
@@ -1146,10 +1049,9 @@
           </a:lstStyle>
           <a:p>
             <a:r>
-              <a:rPr lang="en-US" dirty="0" smtClean="0"/>
+              <a:rPr lang="en-US" dirty="0"/>
               <a:t>Click to edit Master title style</a:t>
             </a:r>
-            <a:endParaRPr lang="en-US" dirty="0"/>
           </a:p>
         </p:txBody>
       </p:sp>
@@ -1178,38 +1080,37 @@
           <a:p>
             <a:pPr lvl="0"/>
             <a:r>
-              <a:rPr lang="en-US" dirty="0" smtClean="0"/>
+              <a:rPr lang="en-US" dirty="0"/>
               <a:t>Click to edit Master text styles</a:t>
             </a:r>
           </a:p>
           <a:p>
             <a:pPr lvl="1"/>
             <a:r>
-              <a:rPr lang="en-US" dirty="0" smtClean="0"/>
+              <a:rPr lang="en-US" dirty="0"/>
               <a:t>Second level</a:t>
             </a:r>
           </a:p>
           <a:p>
             <a:pPr lvl="2"/>
             <a:r>
-              <a:rPr lang="en-US" dirty="0" smtClean="0"/>
+              <a:rPr lang="en-US" dirty="0"/>
               <a:t>Third level</a:t>
             </a:r>
           </a:p>
           <a:p>
             <a:pPr lvl="3"/>
             <a:r>
-              <a:rPr lang="en-US" dirty="0" smtClean="0"/>
+              <a:rPr lang="en-US" dirty="0"/>
               <a:t>Fourth level</a:t>
             </a:r>
           </a:p>
           <a:p>
             <a:pPr lvl="4"/>
             <a:r>
-              <a:rPr lang="en-US" dirty="0" smtClean="0"/>
+              <a:rPr lang="en-US" dirty="0"/>
               <a:t>Fifth level</a:t>
             </a:r>
-            <a:endParaRPr lang="en-US" dirty="0"/>
           </a:p>
         </p:txBody>
       </p:sp>
@@ -1340,10 +1241,9 @@
           <a:lstStyle/>
           <a:p>
             <a:r>
-              <a:rPr lang="en-US" smtClean="0"/>
+              <a:rPr lang="en-US"/>
               <a:t>Click to edit Master title style</a:t>
             </a:r>
-            <a:endParaRPr lang="en-US"/>
           </a:p>
         </p:txBody>
       </p:sp>
@@ -1400,38 +1300,37 @@
           <a:p>
             <a:pPr lvl="0"/>
             <a:r>
-              <a:rPr lang="en-US" smtClean="0"/>
+              <a:rPr lang="en-US"/>
               <a:t>Click to edit Master text styles</a:t>
             </a:r>
           </a:p>
           <a:p>
             <a:pPr lvl="1"/>
             <a:r>
-              <a:rPr lang="en-US" smtClean="0"/>
+              <a:rPr lang="en-US"/>
               <a:t>Second level</a:t>
             </a:r>
           </a:p>
           <a:p>
             <a:pPr lvl="2"/>
             <a:r>
-              <a:rPr lang="en-US" smtClean="0"/>
+              <a:rPr lang="en-US"/>
               <a:t>Third level</a:t>
             </a:r>
           </a:p>
           <a:p>
             <a:pPr lvl="3"/>
             <a:r>
-              <a:rPr lang="en-US" smtClean="0"/>
+              <a:rPr lang="en-US"/>
               <a:t>Fourth level</a:t>
             </a:r>
           </a:p>
           <a:p>
             <a:pPr lvl="4"/>
             <a:r>
-              <a:rPr lang="en-US" smtClean="0"/>
+              <a:rPr lang="en-US"/>
               <a:t>Fifth level</a:t>
             </a:r>
-            <a:endParaRPr lang="en-US"/>
           </a:p>
         </p:txBody>
       </p:sp>
@@ -1488,38 +1387,37 @@
           <a:p>
             <a:pPr lvl="0"/>
             <a:r>
-              <a:rPr lang="en-US" smtClean="0"/>
+              <a:rPr lang="en-US"/>
               <a:t>Click to edit Master text styles</a:t>
             </a:r>
           </a:p>
           <a:p>
             <a:pPr lvl="1"/>
             <a:r>
-              <a:rPr lang="en-US" smtClean="0"/>
+              <a:rPr lang="en-US"/>
               <a:t>Second level</a:t>
             </a:r>
           </a:p>
           <a:p>
             <a:pPr lvl="2"/>
             <a:r>
-              <a:rPr lang="en-US" smtClean="0"/>
+              <a:rPr lang="en-US"/>
               <a:t>Third level</a:t>
             </a:r>
           </a:p>
           <a:p>
             <a:pPr lvl="3"/>
             <a:r>
-              <a:rPr lang="en-US" smtClean="0"/>
+              <a:rPr lang="en-US"/>
               <a:t>Fourth level</a:t>
             </a:r>
           </a:p>
           <a:p>
             <a:pPr lvl="4"/>
             <a:r>
-              <a:rPr lang="en-US" smtClean="0"/>
+              <a:rPr lang="en-US"/>
               <a:t>Fifth level</a:t>
             </a:r>
-            <a:endParaRPr lang="en-US"/>
           </a:p>
         </p:txBody>
       </p:sp>
@@ -1690,10 +1588,9 @@
           <a:lstStyle/>
           <a:p>
             <a:r>
-              <a:rPr lang="en-US" smtClean="0"/>
+              <a:rPr lang="en-US"/>
               <a:t>Click to edit Master title style</a:t>
             </a:r>
-            <a:endParaRPr lang="en-US"/>
           </a:p>
         </p:txBody>
       </p:sp>
@@ -2119,42 +2016,7 @@
                   </a:outerShdw>
                 </a:effectLst>
               </a:rPr>
-              <a:t>Functional and Object </a:t>
-            </a:r>
-            <a:r>
-              <a:rPr lang="en-US" sz="2800" b="1" dirty="0" smtClean="0">
-                <a:effectLst>
-                  <a:outerShdw blurRad="38100" dist="38100" dir="2700000" algn="tl">
-                    <a:srgbClr val="000000">
-                      <a:alpha val="43137"/>
-                    </a:srgbClr>
-                  </a:outerShdw>
-                </a:effectLst>
-              </a:rPr>
-              <a:t>Oriented</a:t>
-            </a:r>
-            <a:br>
-              <a:rPr lang="en-US" sz="2800" b="1" dirty="0" smtClean="0">
-                <a:effectLst>
-                  <a:outerShdw blurRad="38100" dist="38100" dir="2700000" algn="tl">
-                    <a:srgbClr val="000000">
-                      <a:alpha val="43137"/>
-                    </a:srgbClr>
-                  </a:outerShdw>
-                </a:effectLst>
-              </a:rPr>
-            </a:br>
-            <a:r>
-              <a:rPr lang="en-US" sz="2800" b="1" dirty="0">
-                <a:effectLst>
-                  <a:outerShdw blurRad="38100" dist="38100" dir="2700000" algn="tl">
-                    <a:srgbClr val="000000">
-                      <a:alpha val="43137"/>
-                    </a:srgbClr>
-                  </a:outerShdw>
-                </a:effectLst>
-              </a:rPr>
-              <a:t/>
+              <a:t>Functional and Object Oriented</a:t>
             </a:r>
             <a:br>
               <a:rPr lang="en-US" sz="2800" b="1" dirty="0">
@@ -2167,8 +2029,19 @@
                 </a:effectLst>
               </a:rPr>
             </a:br>
-            <a:r>
-              <a:rPr lang="en-US" sz="2800" b="1" dirty="0" smtClean="0">
+            <a:br>
+              <a:rPr lang="en-US" sz="2800" b="1" dirty="0">
+                <a:effectLst>
+                  <a:outerShdw blurRad="38100" dist="38100" dir="2700000" algn="tl">
+                    <a:srgbClr val="000000">
+                      <a:alpha val="43137"/>
+                    </a:srgbClr>
+                  </a:outerShdw>
+                </a:effectLst>
+              </a:rPr>
+            </a:br>
+            <a:r>
+              <a:rPr lang="en-US" sz="2800" b="1" dirty="0">
                 <a:effectLst>
                   <a:outerShdw blurRad="38100" dist="38100" dir="2700000" algn="tl">
                     <a:srgbClr val="000000">
@@ -2256,7 +2129,7 @@
               <a:defRPr/>
             </a:pPr>
             <a:r>
-              <a:rPr kumimoji="0" lang="en-US" sz="2000" b="0" i="0" u="none" strike="noStrike" kern="1200" cap="none" spc="0" normalizeH="0" baseline="0" noProof="0" dirty="0" smtClean="0">
+              <a:rPr kumimoji="0" lang="en-US" sz="2000" b="0" i="0" u="none" strike="noStrike" kern="1200" cap="none" spc="0" normalizeH="0" baseline="0" noProof="0" dirty="0">
                 <a:ln>
                   <a:noFill/>
                 </a:ln>
@@ -2273,7 +2146,7 @@
               <a:t>Scott </a:t>
             </a:r>
             <a:r>
-              <a:rPr kumimoji="0" lang="en-US" sz="2000" b="0" i="0" u="none" strike="noStrike" kern="1200" cap="none" spc="0" normalizeH="0" baseline="0" noProof="0" dirty="0" err="1" smtClean="0">
+              <a:rPr kumimoji="0" lang="en-US" sz="2000" b="0" i="0" u="none" strike="noStrike" kern="1200" cap="none" spc="0" normalizeH="0" baseline="0" noProof="0" dirty="0" err="1">
                 <a:ln>
                   <a:noFill/>
                 </a:ln>
@@ -2290,7 +2163,7 @@
               <a:t>Nykl</a:t>
             </a:r>
             <a:r>
-              <a:rPr kumimoji="0" lang="en-US" sz="2000" b="0" i="0" u="none" strike="noStrike" kern="1200" cap="none" spc="0" normalizeH="0" baseline="0" noProof="0" smtClean="0">
+              <a:rPr kumimoji="0" lang="en-US" sz="2000" b="0" i="0" u="none" strike="noStrike" kern="1200" cap="none" spc="0" normalizeH="0" baseline="0" noProof="0">
                 <a:ln>
                   <a:noFill/>
                 </a:ln>
@@ -2364,13 +2237,6 @@
   <p:clrMapOvr>
     <a:masterClrMapping/>
   </p:clrMapOvr>
-  <p:timing>
-    <p:tnLst>
-      <p:par>
-        <p:cTn id="1" dur="indefinite" restart="never" nodeType="tmRoot"/>
-      </p:par>
-    </p:tnLst>
-  </p:timing>
 </p:sld>
 </file>
 
@@ -2407,10 +2273,9 @@
           <a:lstStyle/>
           <a:p>
             <a:r>
-              <a:rPr lang="en-US" dirty="0" smtClean="0"/>
+              <a:rPr lang="en-US" dirty="0"/>
               <a:t>Java Tutorial – Tutorials Point</a:t>
             </a:r>
-            <a:endParaRPr lang="en-US" dirty="0"/>
           </a:p>
         </p:txBody>
       </p:sp>
@@ -2435,7 +2300,7 @@
           <a:lstStyle/>
           <a:p>
             <a:r>
-              <a:rPr lang="en-US" sz="2000" dirty="0" smtClean="0"/>
+              <a:rPr lang="en-US" sz="2000" dirty="0"/>
               <a:t>URL</a:t>
             </a:r>
           </a:p>
@@ -2445,15 +2310,9 @@
               <a:rPr lang="en-US" sz="1600" dirty="0">
                 <a:hlinkClick r:id="rId2"/>
               </a:rPr>
-              <a:t>http://www.tutorialspoint.com</a:t>
-            </a:r>
-            <a:r>
-              <a:rPr lang="en-US" sz="1600" dirty="0" smtClean="0">
-                <a:hlinkClick r:id="rId2"/>
-              </a:rPr>
-              <a:t>/</a:t>
-            </a:r>
-            <a:endParaRPr lang="en-US" sz="1600" dirty="0" smtClean="0"/>
+              <a:t>http://www.tutorialspoint.com/</a:t>
+            </a:r>
+            <a:endParaRPr lang="en-US" sz="1600" dirty="0"/>
           </a:p>
           <a:p>
             <a:pPr lvl="1"/>
@@ -2461,54 +2320,48 @@
               <a:rPr lang="en-US" sz="1600" dirty="0">
                 <a:hlinkClick r:id="rId3"/>
               </a:rPr>
-              <a:t>http://</a:t>
-            </a:r>
-            <a:r>
-              <a:rPr lang="en-US" sz="1600" dirty="0" smtClean="0">
-                <a:hlinkClick r:id="rId3"/>
-              </a:rPr>
-              <a:t>www.tutorialspoint.com/java/index.htm</a:t>
-            </a:r>
-            <a:endParaRPr lang="en-US" sz="1600" dirty="0" smtClean="0"/>
-          </a:p>
-          <a:p>
-            <a:r>
-              <a:rPr lang="en-US" sz="2000" dirty="0" smtClean="0"/>
+              <a:t>http://www.tutorialspoint.com/java/index.htm</a:t>
+            </a:r>
+            <a:endParaRPr lang="en-US" sz="1600" dirty="0"/>
+          </a:p>
+          <a:p>
+            <a:r>
+              <a:rPr lang="en-US" sz="2000" dirty="0"/>
               <a:t>Pros</a:t>
             </a:r>
           </a:p>
           <a:p>
             <a:pPr lvl="1"/>
             <a:r>
-              <a:rPr lang="en-US" sz="1600" dirty="0" smtClean="0"/>
+              <a:rPr lang="en-US" sz="1600" dirty="0"/>
               <a:t>Comprehensive</a:t>
             </a:r>
           </a:p>
           <a:p>
             <a:pPr lvl="1"/>
             <a:r>
-              <a:rPr lang="en-US" sz="1600" dirty="0" smtClean="0"/>
+              <a:rPr lang="en-US" sz="1600" dirty="0"/>
               <a:t>Many other Java related technologies are also offered</a:t>
             </a:r>
           </a:p>
           <a:p>
             <a:pPr lvl="2"/>
             <a:r>
-              <a:rPr lang="en-US" sz="1600" dirty="0" smtClean="0"/>
+              <a:rPr lang="en-US" sz="1600" dirty="0"/>
               <a:t>AWT, Swing, ANT, eclipse, spring, Maven</a:t>
             </a:r>
             <a:endParaRPr lang="en-US" sz="2000" dirty="0"/>
           </a:p>
           <a:p>
             <a:r>
-              <a:rPr lang="en-US" sz="2000" dirty="0" smtClean="0"/>
+              <a:rPr lang="en-US" sz="2000" dirty="0"/>
               <a:t>Cons</a:t>
             </a:r>
           </a:p>
           <a:p>
             <a:pPr lvl="1"/>
             <a:r>
-              <a:rPr lang="en-US" sz="1600" dirty="0" smtClean="0"/>
+              <a:rPr lang="en-US" sz="1600" dirty="0"/>
               <a:t>Not online “interactive” – so you will need an IDE</a:t>
             </a:r>
           </a:p>
@@ -2766,13 +2619,6 @@
   <p:clrMapOvr>
     <a:masterClrMapping/>
   </p:clrMapOvr>
-  <p:timing>
-    <p:tnLst>
-      <p:par>
-        <p:cTn id="1" dur="indefinite" restart="never" nodeType="tmRoot"/>
-      </p:par>
-    </p:tnLst>
-  </p:timing>
 </p:sld>
 </file>
 
@@ -2809,10 +2655,9 @@
           <a:lstStyle/>
           <a:p>
             <a:r>
-              <a:rPr lang="en-US" dirty="0" smtClean="0"/>
+              <a:rPr lang="en-US" dirty="0"/>
               <a:t>VS Code</a:t>
             </a:r>
-            <a:endParaRPr lang="en-US" dirty="0"/>
           </a:p>
         </p:txBody>
       </p:sp>
@@ -2837,28 +2682,28 @@
           <a:lstStyle/>
           <a:p>
             <a:r>
-              <a:rPr lang="en-US" dirty="0" smtClean="0"/>
+              <a:rPr lang="en-US" dirty="0"/>
               <a:t>Plugins</a:t>
             </a:r>
           </a:p>
           <a:p>
             <a:pPr lvl="1"/>
             <a:r>
-              <a:rPr lang="en-US" dirty="0" smtClean="0"/>
+              <a:rPr lang="en-US" dirty="0"/>
               <a:t>Java Extension Pack</a:t>
             </a:r>
           </a:p>
           <a:p>
             <a:pPr lvl="1"/>
             <a:r>
-              <a:rPr lang="en-US" dirty="0" smtClean="0"/>
+              <a:rPr lang="en-US" dirty="0"/>
               <a:t>C/C++</a:t>
             </a:r>
           </a:p>
           <a:p>
             <a:pPr lvl="1"/>
             <a:r>
-              <a:rPr lang="en-US" dirty="0" err="1" smtClean="0"/>
+              <a:rPr lang="en-US" dirty="0" err="1"/>
               <a:t>LaTeX</a:t>
             </a:r>
             <a:endParaRPr lang="en-US" dirty="0"/>
@@ -2941,10 +2786,9 @@
           <a:lstStyle/>
           <a:p>
             <a:r>
-              <a:rPr lang="en-US" dirty="0" smtClean="0"/>
+              <a:rPr lang="en-US" dirty="0"/>
               <a:t>Programming in Python</a:t>
             </a:r>
-            <a:endParaRPr lang="en-US" dirty="0"/>
           </a:p>
         </p:txBody>
       </p:sp>
@@ -2958,13 +2802,6 @@
   <p:clrMapOvr>
     <a:masterClrMapping/>
   </p:clrMapOvr>
-  <p:timing>
-    <p:tnLst>
-      <p:par>
-        <p:cTn id="1" dur="indefinite" restart="never" nodeType="tmRoot"/>
-      </p:par>
-    </p:tnLst>
-  </p:timing>
 </p:sld>
 </file>
 
@@ -3001,10 +2838,9 @@
           <a:lstStyle/>
           <a:p>
             <a:r>
-              <a:rPr lang="en-US" dirty="0" smtClean="0"/>
+              <a:rPr lang="en-US" dirty="0"/>
               <a:t>Tools</a:t>
             </a:r>
-            <a:endParaRPr lang="en-US" dirty="0"/>
           </a:p>
         </p:txBody>
       </p:sp>
@@ -3024,7 +2860,7 @@
           <a:lstStyle/>
           <a:p>
             <a:r>
-              <a:rPr lang="en-US" dirty="0" smtClean="0"/>
+              <a:rPr lang="en-US" dirty="0"/>
               <a:t>Python</a:t>
             </a:r>
           </a:p>
@@ -3033,18 +2869,18 @@
           </a:p>
           <a:p>
             <a:r>
-              <a:rPr lang="en-US" dirty="0" err="1" smtClean="0"/>
+              <a:rPr lang="en-US" dirty="0" err="1"/>
               <a:t>Enthought</a:t>
             </a:r>
             <a:r>
-              <a:rPr lang="en-US" dirty="0" smtClean="0"/>
+              <a:rPr lang="en-US" dirty="0"/>
               <a:t> Python</a:t>
             </a:r>
           </a:p>
           <a:p>
             <a:pPr lvl="1"/>
             <a:r>
-              <a:rPr lang="en-US" dirty="0" smtClean="0"/>
+              <a:rPr lang="en-US" dirty="0"/>
               <a:t>Free for academic usage</a:t>
             </a:r>
           </a:p>
@@ -3168,13 +3004,6 @@
   <p:clrMapOvr>
     <a:masterClrMapping/>
   </p:clrMapOvr>
-  <p:timing>
-    <p:tnLst>
-      <p:par>
-        <p:cTn id="1" dur="indefinite" restart="never" nodeType="tmRoot"/>
-      </p:par>
-    </p:tnLst>
-  </p:timing>
 </p:sld>
 </file>
 
@@ -3211,10 +3040,9 @@
           <a:lstStyle/>
           <a:p>
             <a:r>
-              <a:rPr lang="en-US" dirty="0" smtClean="0"/>
+              <a:rPr lang="en-US" dirty="0"/>
               <a:t>Python Tutorial – Tutorials Point</a:t>
             </a:r>
-            <a:endParaRPr lang="en-US" dirty="0"/>
           </a:p>
         </p:txBody>
       </p:sp>
@@ -3239,7 +3067,7 @@
           <a:lstStyle/>
           <a:p>
             <a:r>
-              <a:rPr lang="en-US" sz="2000" dirty="0" smtClean="0"/>
+              <a:rPr lang="en-US" sz="2000" dirty="0"/>
               <a:t>URL</a:t>
             </a:r>
           </a:p>
@@ -3249,15 +3077,9 @@
               <a:rPr lang="en-US" sz="1600" dirty="0">
                 <a:hlinkClick r:id="rId2"/>
               </a:rPr>
-              <a:t>http://www.tutorialspoint.com</a:t>
-            </a:r>
-            <a:r>
-              <a:rPr lang="en-US" sz="1600" dirty="0" smtClean="0">
-                <a:hlinkClick r:id="rId2"/>
-              </a:rPr>
-              <a:t>/</a:t>
-            </a:r>
-            <a:endParaRPr lang="en-US" sz="1600" dirty="0" smtClean="0"/>
+              <a:t>http://www.tutorialspoint.com/</a:t>
+            </a:r>
+            <a:endParaRPr lang="en-US" sz="1600" dirty="0"/>
           </a:p>
           <a:p>
             <a:pPr lvl="1"/>
@@ -3265,15 +3087,9 @@
               <a:rPr lang="en-US" sz="1600" dirty="0">
                 <a:hlinkClick r:id="rId3"/>
               </a:rPr>
-              <a:t>http://</a:t>
-            </a:r>
-            <a:r>
-              <a:rPr lang="en-US" sz="1600" dirty="0" smtClean="0">
-                <a:hlinkClick r:id="rId3"/>
-              </a:rPr>
-              <a:t>www.tutorialspoint.com/python</a:t>
-            </a:r>
-            <a:endParaRPr lang="en-US" sz="1600" dirty="0" smtClean="0"/>
+              <a:t>http://www.tutorialspoint.com/python</a:t>
+            </a:r>
+            <a:endParaRPr lang="en-US" sz="1600" dirty="0"/>
           </a:p>
           <a:p>
             <a:pPr lvl="1"/>
@@ -3284,25 +3100,16 @@
                 </a:solidFill>
                 <a:hlinkClick r:id="rId4"/>
               </a:rPr>
-              <a:t>http</a:t>
-            </a:r>
-            <a:r>
-              <a:rPr lang="en-US" sz="1600" dirty="0" smtClean="0">
-                <a:solidFill>
-                  <a:schemeClr val="tx2"/>
-                </a:solidFill>
-                <a:hlinkClick r:id="rId4"/>
-              </a:rPr>
-              <a:t>://w</a:t>
-            </a:r>
-            <a:r>
-              <a:rPr lang="en-US" sz="1600" dirty="0" smtClean="0">
+              <a:t>http://w</a:t>
+            </a:r>
+            <a:r>
+              <a:rPr lang="en-US" sz="1600" dirty="0">
                 <a:hlinkClick r:id="rId4"/>
               </a:rPr>
               <a:t>w</a:t>
             </a:r>
             <a:r>
-              <a:rPr lang="en-US" sz="1600" dirty="0" smtClean="0">
+              <a:rPr lang="en-US" sz="1600" dirty="0">
                 <a:solidFill>
                   <a:schemeClr val="tx2"/>
                 </a:solidFill>
@@ -3310,41 +3117,41 @@
               </a:rPr>
               <a:t>w.tutorialspoint.com/codingground.htm</a:t>
             </a:r>
-            <a:endParaRPr lang="en-US" sz="1600" dirty="0" smtClean="0">
+            <a:endParaRPr lang="en-US" sz="1600" dirty="0">
               <a:solidFill>
                 <a:schemeClr val="tx2"/>
               </a:solidFill>
             </a:endParaRPr>
           </a:p>
           <a:p>
-            <a:endParaRPr lang="en-US" sz="2000" dirty="0" smtClean="0"/>
-          </a:p>
-          <a:p>
-            <a:r>
-              <a:rPr lang="en-US" sz="2000" dirty="0" smtClean="0"/>
+            <a:endParaRPr lang="en-US" sz="2000" dirty="0"/>
+          </a:p>
+          <a:p>
+            <a:r>
+              <a:rPr lang="en-US" sz="2000" dirty="0"/>
               <a:t>Pros</a:t>
             </a:r>
           </a:p>
           <a:p>
             <a:pPr lvl="1"/>
             <a:r>
-              <a:rPr lang="en-US" sz="1600" dirty="0" smtClean="0"/>
+              <a:rPr lang="en-US" sz="1600" dirty="0"/>
               <a:t>Comprehensive</a:t>
             </a:r>
           </a:p>
           <a:p>
-            <a:endParaRPr lang="en-US" sz="2000" dirty="0" smtClean="0"/>
-          </a:p>
-          <a:p>
-            <a:r>
-              <a:rPr lang="en-US" sz="2000" dirty="0" smtClean="0"/>
+            <a:endParaRPr lang="en-US" sz="2000" dirty="0"/>
+          </a:p>
+          <a:p>
+            <a:r>
+              <a:rPr lang="en-US" sz="2000" dirty="0"/>
               <a:t>Cons</a:t>
             </a:r>
           </a:p>
           <a:p>
             <a:pPr lvl="1"/>
             <a:r>
-              <a:rPr lang="en-US" sz="1600" dirty="0" smtClean="0"/>
+              <a:rPr lang="en-US" sz="1600" dirty="0"/>
               <a:t>You will need an IDE</a:t>
             </a:r>
           </a:p>
@@ -3358,7 +3165,7 @@
               <a:rPr lang="en-US" sz="1100" dirty="0"/>
               <a:t>http://www.tutorialspoint.com/execute_python3_online.php</a:t>
             </a:r>
-            <a:endParaRPr lang="en-US" sz="1600" dirty="0" smtClean="0"/>
+            <a:endParaRPr lang="en-US" sz="1600" dirty="0"/>
           </a:p>
         </p:txBody>
       </p:sp>
@@ -3520,13 +3327,6 @@
   <p:clrMapOvr>
     <a:masterClrMapping/>
   </p:clrMapOvr>
-  <p:timing>
-    <p:tnLst>
-      <p:par>
-        <p:cTn id="1" dur="indefinite" restart="never" nodeType="tmRoot"/>
-      </p:par>
-    </p:tnLst>
-  </p:timing>
 </p:sld>
 </file>
 
@@ -3563,11 +3363,11 @@
           <a:lstStyle/>
           <a:p>
             <a:r>
-              <a:rPr lang="en-US" dirty="0" smtClean="0"/>
+              <a:rPr lang="en-US" dirty="0"/>
               <a:t>Python Tutorial – </a:t>
             </a:r>
             <a:r>
-              <a:rPr lang="en-US" dirty="0" err="1" smtClean="0"/>
+              <a:rPr lang="en-US" dirty="0" err="1"/>
               <a:t>codecademy</a:t>
             </a:r>
             <a:endParaRPr lang="en-US" dirty="0"/>
@@ -3595,7 +3395,7 @@
           <a:lstStyle/>
           <a:p>
             <a:r>
-              <a:rPr lang="en-US" sz="2000" dirty="0" smtClean="0"/>
+              <a:rPr lang="en-US" sz="2000" dirty="0"/>
               <a:t>URL</a:t>
             </a:r>
           </a:p>
@@ -3605,15 +3405,9 @@
               <a:rPr lang="en-US" sz="1600" dirty="0">
                 <a:hlinkClick r:id="rId2"/>
               </a:rPr>
-              <a:t>http://www.codecademy.com</a:t>
-            </a:r>
-            <a:r>
-              <a:rPr lang="en-US" sz="1600" dirty="0" smtClean="0">
-                <a:hlinkClick r:id="rId2"/>
-              </a:rPr>
-              <a:t>/</a:t>
-            </a:r>
-            <a:endParaRPr lang="en-US" sz="2000" dirty="0" smtClean="0"/>
+              <a:t>http://www.codecademy.com/</a:t>
+            </a:r>
+            <a:endParaRPr lang="en-US" sz="2000" dirty="0"/>
           </a:p>
           <a:p>
             <a:r>
@@ -3652,28 +3446,15 @@
             <a:pPr lvl="1"/>
             <a:r>
               <a:rPr lang="en-US" sz="1600" dirty="0"/>
-              <a:t>Maybe </a:t>
-            </a:r>
-            <a:r>
-              <a:rPr lang="en-US" sz="1600" dirty="0" smtClean="0"/>
-              <a:t>too </a:t>
-            </a:r>
+              <a:t>Maybe too structured</a:t>
+            </a:r>
+          </a:p>
+          <a:p>
+            <a:pPr lvl="1"/>
             <a:r>
               <a:rPr lang="en-US" sz="1600" dirty="0"/>
-              <a:t>structured</a:t>
-            </a:r>
-          </a:p>
-          <a:p>
-            <a:pPr lvl="1"/>
-            <a:r>
-              <a:rPr lang="en-US" sz="1600" dirty="0"/>
-              <a:t>Each step must be followed, little freedom to ‘explore’ beyond what is being </a:t>
-            </a:r>
-            <a:r>
-              <a:rPr lang="en-US" sz="1600" dirty="0" smtClean="0"/>
-              <a:t>presented</a:t>
-            </a:r>
-            <a:endParaRPr lang="en-US" sz="1600" dirty="0"/>
+              <a:t>Each step must be followed, little freedom to ‘explore’ beyond what is being presented</a:t>
+            </a:r>
           </a:p>
         </p:txBody>
       </p:sp>
@@ -3741,815 +3522,6 @@
   <p:clrMapOvr>
     <a:masterClrMapping/>
   </p:clrMapOvr>
-  <p:timing>
-    <p:tnLst>
-      <p:par>
-        <p:cTn id="1" dur="indefinite" restart="never" nodeType="tmRoot"/>
-      </p:par>
-    </p:tnLst>
-  </p:timing>
-</p:sld>
-</file>
-
-<file path=ppt/slides/slide16.xml><?xml version="1.0" encoding="utf-8"?>
-<p:sld xmlns:a="http://schemas.openxmlformats.org/drawingml/2006/main" xmlns:r="http://schemas.openxmlformats.org/officeDocument/2006/relationships" xmlns:p="http://schemas.openxmlformats.org/presentationml/2006/main">
-  <p:cSld>
-    <p:spTree>
-      <p:nvGrpSpPr>
-        <p:cNvPr id="1" name=""/>
-        <p:cNvGrpSpPr/>
-        <p:nvPr/>
-      </p:nvGrpSpPr>
-      <p:grpSpPr>
-        <a:xfrm>
-          <a:off x="0" y="0"/>
-          <a:ext cx="0" cy="0"/>
-          <a:chOff x="0" y="0"/>
-          <a:chExt cx="0" cy="0"/>
-        </a:xfrm>
-      </p:grpSpPr>
-      <p:sp>
-        <p:nvSpPr>
-          <p:cNvPr id="4" name="Title 3"/>
-          <p:cNvSpPr>
-            <a:spLocks noGrp="1"/>
-          </p:cNvSpPr>
-          <p:nvPr>
-            <p:ph type="ctrTitle"/>
-          </p:nvPr>
-        </p:nvSpPr>
-        <p:spPr/>
-        <p:txBody>
-          <a:bodyPr/>
-          <a:lstStyle/>
-          <a:p>
-            <a:r>
-              <a:rPr lang="en-US" dirty="0" smtClean="0"/>
-              <a:t>Programming in R</a:t>
-            </a:r>
-            <a:br>
-              <a:rPr lang="en-US" dirty="0" smtClean="0"/>
-            </a:br>
-            <a:r>
-              <a:rPr lang="en-US" dirty="0" smtClean="0"/>
-              <a:t>(if we get there)</a:t>
-            </a:r>
-            <a:endParaRPr lang="en-US" dirty="0"/>
-          </a:p>
-        </p:txBody>
-      </p:sp>
-    </p:spTree>
-    <p:extLst>
-      <p:ext uri="{BB962C8B-B14F-4D97-AF65-F5344CB8AC3E}">
-        <p14:creationId xmlns:p14="http://schemas.microsoft.com/office/powerpoint/2010/main" val="4142947145"/>
-      </p:ext>
-    </p:extLst>
-  </p:cSld>
-  <p:clrMapOvr>
-    <a:masterClrMapping/>
-  </p:clrMapOvr>
-  <p:timing>
-    <p:tnLst>
-      <p:par>
-        <p:cTn id="1" dur="indefinite" restart="never" nodeType="tmRoot"/>
-      </p:par>
-    </p:tnLst>
-  </p:timing>
-</p:sld>
-</file>
-
-<file path=ppt/slides/slide17.xml><?xml version="1.0" encoding="utf-8"?>
-<p:sld xmlns:a="http://schemas.openxmlformats.org/drawingml/2006/main" xmlns:r="http://schemas.openxmlformats.org/officeDocument/2006/relationships" xmlns:p="http://schemas.openxmlformats.org/presentationml/2006/main">
-  <p:cSld>
-    <p:spTree>
-      <p:nvGrpSpPr>
-        <p:cNvPr id="1" name=""/>
-        <p:cNvGrpSpPr/>
-        <p:nvPr/>
-      </p:nvGrpSpPr>
-      <p:grpSpPr>
-        <a:xfrm>
-          <a:off x="0" y="0"/>
-          <a:ext cx="0" cy="0"/>
-          <a:chOff x="0" y="0"/>
-          <a:chExt cx="0" cy="0"/>
-        </a:xfrm>
-      </p:grpSpPr>
-      <p:sp>
-        <p:nvSpPr>
-          <p:cNvPr id="5123" name="Rectangle 2"/>
-          <p:cNvSpPr>
-            <a:spLocks noGrp="1" noChangeArrowheads="1"/>
-          </p:cNvSpPr>
-          <p:nvPr>
-            <p:ph type="title"/>
-          </p:nvPr>
-        </p:nvSpPr>
-        <p:spPr/>
-        <p:txBody>
-          <a:bodyPr/>
-          <a:lstStyle/>
-          <a:p>
-            <a:pPr eaLnBrk="1" hangingPunct="1"/>
-            <a:r>
-              <a:rPr lang="en-US" dirty="0" smtClean="0"/>
-              <a:t>Resources - Books</a:t>
-            </a:r>
-          </a:p>
-        </p:txBody>
-      </p:sp>
-      <p:sp>
-        <p:nvSpPr>
-          <p:cNvPr id="12" name="Content Placeholder 11"/>
-          <p:cNvSpPr>
-            <a:spLocks noGrp="1"/>
-          </p:cNvSpPr>
-          <p:nvPr>
-            <p:ph idx="1"/>
-          </p:nvPr>
-        </p:nvSpPr>
-        <p:spPr>
-          <a:xfrm>
-            <a:off x="457200" y="4414949"/>
-            <a:ext cx="8229600" cy="1833451"/>
-          </a:xfrm>
-        </p:spPr>
-        <p:txBody>
-          <a:bodyPr/>
-          <a:lstStyle/>
-          <a:p>
-            <a:r>
-              <a:rPr lang="en-US" sz="2000" dirty="0" smtClean="0"/>
-              <a:t>Discovering statistics – good depth to learning statistics using R as a tool</a:t>
-            </a:r>
-          </a:p>
-          <a:p>
-            <a:r>
-              <a:rPr lang="en-US" sz="2000" dirty="0" smtClean="0"/>
-              <a:t>R in action – less learning stats, but very good overview or stats in relation to R functions (worth purchasing)</a:t>
-            </a:r>
-          </a:p>
-          <a:p>
-            <a:r>
-              <a:rPr lang="en-US" sz="2000" dirty="0" smtClean="0"/>
-              <a:t>Advanced R – less about statistics, mostly focused on R as a programming language (free online!)</a:t>
-            </a:r>
-          </a:p>
-          <a:p>
-            <a:r>
-              <a:rPr lang="en-US" sz="2000" dirty="0"/>
-              <a:t>http://www.tutorialspoint.com/codingground.htm</a:t>
-            </a:r>
-          </a:p>
-        </p:txBody>
-      </p:sp>
-      <p:grpSp>
-        <p:nvGrpSpPr>
-          <p:cNvPr id="7" name="Group 6"/>
-          <p:cNvGrpSpPr/>
-          <p:nvPr/>
-        </p:nvGrpSpPr>
-        <p:grpSpPr>
-          <a:xfrm>
-            <a:off x="512468" y="1406834"/>
-            <a:ext cx="1905000" cy="3008115"/>
-            <a:chOff x="588668" y="1406834"/>
-            <a:chExt cx="1905000" cy="3008115"/>
-          </a:xfrm>
-        </p:grpSpPr>
-        <p:sp>
-          <p:nvSpPr>
-            <p:cNvPr id="13" name="TextBox 12"/>
-            <p:cNvSpPr txBox="1"/>
-            <p:nvPr/>
-          </p:nvSpPr>
-          <p:spPr>
-            <a:xfrm>
-              <a:off x="588668" y="3891729"/>
-              <a:ext cx="1905000" cy="523220"/>
-            </a:xfrm>
-            <a:prstGeom prst="rect">
-              <a:avLst/>
-            </a:prstGeom>
-            <a:noFill/>
-          </p:spPr>
-          <p:txBody>
-            <a:bodyPr wrap="square" rtlCol="0">
-              <a:spAutoFit/>
-            </a:bodyPr>
-            <a:lstStyle/>
-            <a:p>
-              <a:pPr algn="ctr"/>
-              <a:r>
-                <a:rPr lang="en-US" sz="1400" dirty="0" smtClean="0"/>
-                <a:t>Discovering Statistics Using R</a:t>
-              </a:r>
-            </a:p>
-          </p:txBody>
-        </p:sp>
-        <p:pic>
-          <p:nvPicPr>
-            <p:cNvPr id="1026" name="Picture 2"/>
-            <p:cNvPicPr>
-              <a:picLocks noChangeAspect="1" noChangeArrowheads="1"/>
-            </p:cNvPicPr>
-            <p:nvPr/>
-          </p:nvPicPr>
-          <p:blipFill>
-            <a:blip r:embed="rId3">
-              <a:extLst>
-                <a:ext uri="{28A0092B-C50C-407E-A947-70E740481C1C}">
-                  <a14:useLocalDpi xmlns:a14="http://schemas.microsoft.com/office/drawing/2010/main" val="0"/>
-                </a:ext>
-              </a:extLst>
-            </a:blip>
-            <a:srcRect/>
-            <a:stretch>
-              <a:fillRect/>
-            </a:stretch>
-          </p:blipFill>
-          <p:spPr bwMode="auto">
-            <a:xfrm>
-              <a:off x="664868" y="1406834"/>
-              <a:ext cx="1752600" cy="2357419"/>
-            </a:xfrm>
-            <a:prstGeom prst="rect">
-              <a:avLst/>
-            </a:prstGeom>
-            <a:noFill/>
-            <a:ln>
-              <a:noFill/>
-            </a:ln>
-            <a:extLst>
-              <a:ext uri="{909E8E84-426E-40DD-AFC4-6F175D3DCCD1}">
-                <a14:hiddenFill xmlns:a14="http://schemas.microsoft.com/office/drawing/2010/main">
-                  <a:solidFill>
-                    <a:schemeClr val="accent1"/>
-                  </a:solidFill>
-                </a14:hiddenFill>
-              </a:ext>
-              <a:ext uri="{91240B29-F687-4F45-9708-019B960494DF}">
-                <a14:hiddenLine xmlns:a14="http://schemas.microsoft.com/office/drawing/2010/main" w="9525">
-                  <a:solidFill>
-                    <a:schemeClr val="tx1"/>
-                  </a:solidFill>
-                  <a:miter lim="800000"/>
-                  <a:headEnd/>
-                  <a:tailEnd/>
-                </a14:hiddenLine>
-              </a:ext>
-            </a:extLst>
-          </p:spPr>
-        </p:pic>
-      </p:grpSp>
-      <p:grpSp>
-        <p:nvGrpSpPr>
-          <p:cNvPr id="8" name="Group 7"/>
-          <p:cNvGrpSpPr/>
-          <p:nvPr/>
-        </p:nvGrpSpPr>
-        <p:grpSpPr>
-          <a:xfrm>
-            <a:off x="3434194" y="1399059"/>
-            <a:ext cx="2057400" cy="2900391"/>
-            <a:chOff x="2704445" y="1406835"/>
-            <a:chExt cx="2057400" cy="2900391"/>
-          </a:xfrm>
-        </p:grpSpPr>
-        <p:pic>
-          <p:nvPicPr>
-            <p:cNvPr id="4" name="Picture 3"/>
-            <p:cNvPicPr>
-              <a:picLocks noChangeAspect="1" noChangeArrowheads="1"/>
-            </p:cNvPicPr>
-            <p:nvPr/>
-          </p:nvPicPr>
-          <p:blipFill>
-            <a:blip r:embed="rId4">
-              <a:extLst>
-                <a:ext uri="{28A0092B-C50C-407E-A947-70E740481C1C}">
-                  <a14:useLocalDpi xmlns:a14="http://schemas.microsoft.com/office/drawing/2010/main" val="0"/>
-                </a:ext>
-              </a:extLst>
-            </a:blip>
-            <a:srcRect/>
-            <a:stretch>
-              <a:fillRect/>
-            </a:stretch>
-          </p:blipFill>
-          <p:spPr bwMode="auto">
-            <a:xfrm>
-              <a:off x="2785839" y="1406835"/>
-              <a:ext cx="1894613" cy="2357419"/>
-            </a:xfrm>
-            <a:prstGeom prst="rect">
-              <a:avLst/>
-            </a:prstGeom>
-            <a:noFill/>
-            <a:ln>
-              <a:noFill/>
-            </a:ln>
-            <a:extLst>
-              <a:ext uri="{909E8E84-426E-40DD-AFC4-6F175D3DCCD1}">
-                <a14:hiddenFill xmlns:a14="http://schemas.microsoft.com/office/drawing/2010/main">
-                  <a:solidFill>
-                    <a:schemeClr val="accent1"/>
-                  </a:solidFill>
-                </a14:hiddenFill>
-              </a:ext>
-              <a:ext uri="{91240B29-F687-4F45-9708-019B960494DF}">
-                <a14:hiddenLine xmlns:a14="http://schemas.microsoft.com/office/drawing/2010/main" w="9525">
-                  <a:solidFill>
-                    <a:schemeClr val="tx1"/>
-                  </a:solidFill>
-                  <a:miter lim="800000"/>
-                  <a:headEnd/>
-                  <a:tailEnd/>
-                </a14:hiddenLine>
-              </a:ext>
-            </a:extLst>
-          </p:spPr>
-        </p:pic>
-        <p:sp>
-          <p:nvSpPr>
-            <p:cNvPr id="11" name="TextBox 10"/>
-            <p:cNvSpPr txBox="1"/>
-            <p:nvPr/>
-          </p:nvSpPr>
-          <p:spPr>
-            <a:xfrm>
-              <a:off x="2704445" y="3999449"/>
-              <a:ext cx="2057400" cy="307777"/>
-            </a:xfrm>
-            <a:prstGeom prst="rect">
-              <a:avLst/>
-            </a:prstGeom>
-            <a:noFill/>
-          </p:spPr>
-          <p:txBody>
-            <a:bodyPr wrap="square" rtlCol="0">
-              <a:spAutoFit/>
-            </a:bodyPr>
-            <a:lstStyle/>
-            <a:p>
-              <a:pPr algn="ctr"/>
-              <a:r>
-                <a:rPr lang="en-US" sz="1400" dirty="0" smtClean="0"/>
-                <a:t>R in Action, 2</a:t>
-              </a:r>
-              <a:r>
-                <a:rPr lang="en-US" sz="1400" baseline="30000" dirty="0" smtClean="0"/>
-                <a:t>nd</a:t>
-              </a:r>
-              <a:r>
-                <a:rPr lang="en-US" sz="1400" dirty="0" smtClean="0"/>
-                <a:t> Edition</a:t>
-              </a:r>
-            </a:p>
-          </p:txBody>
-        </p:sp>
-      </p:grpSp>
-      <p:grpSp>
-        <p:nvGrpSpPr>
-          <p:cNvPr id="9" name="Group 8"/>
-          <p:cNvGrpSpPr/>
-          <p:nvPr/>
-        </p:nvGrpSpPr>
-        <p:grpSpPr>
-          <a:xfrm>
-            <a:off x="6477000" y="1406835"/>
-            <a:ext cx="1532666" cy="2900392"/>
-            <a:chOff x="5029200" y="1406835"/>
-            <a:chExt cx="1532666" cy="2900392"/>
-          </a:xfrm>
-        </p:grpSpPr>
-        <p:pic>
-          <p:nvPicPr>
-            <p:cNvPr id="1028" name="Picture 4"/>
-            <p:cNvPicPr>
-              <a:picLocks noChangeAspect="1" noChangeArrowheads="1"/>
-            </p:cNvPicPr>
-            <p:nvPr/>
-          </p:nvPicPr>
-          <p:blipFill>
-            <a:blip r:embed="rId5">
-              <a:extLst>
-                <a:ext uri="{28A0092B-C50C-407E-A947-70E740481C1C}">
-                  <a14:useLocalDpi xmlns:a14="http://schemas.microsoft.com/office/drawing/2010/main" val="0"/>
-                </a:ext>
-              </a:extLst>
-            </a:blip>
-            <a:srcRect/>
-            <a:stretch>
-              <a:fillRect/>
-            </a:stretch>
-          </p:blipFill>
-          <p:spPr bwMode="auto">
-            <a:xfrm>
-              <a:off x="5029200" y="1406835"/>
-              <a:ext cx="1532666" cy="2357419"/>
-            </a:xfrm>
-            <a:prstGeom prst="rect">
-              <a:avLst/>
-            </a:prstGeom>
-            <a:noFill/>
-            <a:ln>
-              <a:noFill/>
-            </a:ln>
-            <a:extLst>
-              <a:ext uri="{909E8E84-426E-40DD-AFC4-6F175D3DCCD1}">
-                <a14:hiddenFill xmlns:a14="http://schemas.microsoft.com/office/drawing/2010/main">
-                  <a:solidFill>
-                    <a:schemeClr val="accent1"/>
-                  </a:solidFill>
-                </a14:hiddenFill>
-              </a:ext>
-              <a:ext uri="{91240B29-F687-4F45-9708-019B960494DF}">
-                <a14:hiddenLine xmlns:a14="http://schemas.microsoft.com/office/drawing/2010/main" w="9525">
-                  <a:solidFill>
-                    <a:schemeClr val="tx1"/>
-                  </a:solidFill>
-                  <a:miter lim="800000"/>
-                  <a:headEnd/>
-                  <a:tailEnd/>
-                </a14:hiddenLine>
-              </a:ext>
-            </a:extLst>
-          </p:spPr>
-        </p:pic>
-        <p:sp>
-          <p:nvSpPr>
-            <p:cNvPr id="14" name="TextBox 13"/>
-            <p:cNvSpPr txBox="1"/>
-            <p:nvPr/>
-          </p:nvSpPr>
-          <p:spPr>
-            <a:xfrm>
-              <a:off x="5029509" y="3999450"/>
-              <a:ext cx="1532357" cy="307777"/>
-            </a:xfrm>
-            <a:prstGeom prst="rect">
-              <a:avLst/>
-            </a:prstGeom>
-            <a:noFill/>
-          </p:spPr>
-          <p:txBody>
-            <a:bodyPr wrap="square" rtlCol="0">
-              <a:spAutoFit/>
-            </a:bodyPr>
-            <a:lstStyle/>
-            <a:p>
-              <a:pPr algn="ctr"/>
-              <a:r>
-                <a:rPr lang="en-US" sz="1400" dirty="0" smtClean="0"/>
-                <a:t>Advanced R</a:t>
-              </a:r>
-            </a:p>
-          </p:txBody>
-        </p:sp>
-      </p:grpSp>
-    </p:spTree>
-    <p:extLst>
-      <p:ext uri="{BB962C8B-B14F-4D97-AF65-F5344CB8AC3E}">
-        <p14:creationId xmlns:p14="http://schemas.microsoft.com/office/powerpoint/2010/main" val="142041189"/>
-      </p:ext>
-    </p:extLst>
-  </p:cSld>
-  <p:clrMapOvr>
-    <a:masterClrMapping/>
-  </p:clrMapOvr>
-  <p:timing>
-    <p:tnLst>
-      <p:par>
-        <p:cTn id="1" dur="indefinite" restart="never" nodeType="tmRoot"/>
-      </p:par>
-    </p:tnLst>
-  </p:timing>
-</p:sld>
-</file>
-
-<file path=ppt/slides/slide18.xml><?xml version="1.0" encoding="utf-8"?>
-<p:sld xmlns:a="http://schemas.openxmlformats.org/drawingml/2006/main" xmlns:r="http://schemas.openxmlformats.org/officeDocument/2006/relationships" xmlns:p="http://schemas.openxmlformats.org/presentationml/2006/main">
-  <p:cSld>
-    <p:spTree>
-      <p:nvGrpSpPr>
-        <p:cNvPr id="1" name=""/>
-        <p:cNvGrpSpPr/>
-        <p:nvPr/>
-      </p:nvGrpSpPr>
-      <p:grpSpPr>
-        <a:xfrm>
-          <a:off x="0" y="0"/>
-          <a:ext cx="0" cy="0"/>
-          <a:chOff x="0" y="0"/>
-          <a:chExt cx="0" cy="0"/>
-        </a:xfrm>
-      </p:grpSpPr>
-      <p:sp>
-        <p:nvSpPr>
-          <p:cNvPr id="2" name="Title 1"/>
-          <p:cNvSpPr>
-            <a:spLocks noGrp="1"/>
-          </p:cNvSpPr>
-          <p:nvPr>
-            <p:ph type="title"/>
-          </p:nvPr>
-        </p:nvSpPr>
-        <p:spPr/>
-        <p:txBody>
-          <a:bodyPr/>
-          <a:lstStyle/>
-          <a:p>
-            <a:r>
-              <a:rPr lang="en-US" sz="4000" smtClean="0"/>
-              <a:t>Using R – Ad hoc verses Programming</a:t>
-            </a:r>
-            <a:endParaRPr lang="en-US" sz="4000"/>
-          </a:p>
-        </p:txBody>
-      </p:sp>
-      <p:sp>
-        <p:nvSpPr>
-          <p:cNvPr id="3" name="Content Placeholder 2"/>
-          <p:cNvSpPr>
-            <a:spLocks noGrp="1"/>
-          </p:cNvSpPr>
-          <p:nvPr>
-            <p:ph idx="1"/>
-          </p:nvPr>
-        </p:nvSpPr>
-        <p:spPr/>
-        <p:txBody>
-          <a:bodyPr/>
-          <a:lstStyle/>
-          <a:p>
-            <a:r>
-              <a:rPr lang="en-US" sz="2800" dirty="0" smtClean="0"/>
-              <a:t>Ad hoc</a:t>
-            </a:r>
-          </a:p>
-          <a:p>
-            <a:pPr lvl="1"/>
-            <a:r>
-              <a:rPr lang="en-US" sz="2400" dirty="0" smtClean="0"/>
-              <a:t>Many user of R fall into this category</a:t>
-            </a:r>
-          </a:p>
-          <a:p>
-            <a:pPr lvl="1"/>
-            <a:r>
-              <a:rPr lang="en-US" sz="2400" dirty="0" smtClean="0"/>
-              <a:t>Examples: plot a histogram, perform a regression analysis</a:t>
-            </a:r>
-          </a:p>
-          <a:p>
-            <a:endParaRPr lang="en-US" sz="2800" dirty="0"/>
-          </a:p>
-          <a:p>
-            <a:r>
-              <a:rPr lang="en-US" sz="2800" dirty="0" smtClean="0"/>
-              <a:t>Programming</a:t>
-            </a:r>
-          </a:p>
-          <a:p>
-            <a:pPr lvl="1"/>
-            <a:r>
-              <a:rPr lang="en-US" sz="2400" dirty="0" smtClean="0"/>
-              <a:t>Developing software using R as a programming language</a:t>
-            </a:r>
-          </a:p>
-          <a:p>
-            <a:pPr lvl="1"/>
-            <a:r>
-              <a:rPr lang="en-US" sz="2400" dirty="0" smtClean="0"/>
-              <a:t>Examples: development of statistical reports, statistical methodology, production of sophisticated graphical presentation of data, students in statistical computing courses</a:t>
-            </a:r>
-            <a:endParaRPr lang="en-US" sz="2400" dirty="0"/>
-          </a:p>
-        </p:txBody>
-      </p:sp>
-      <p:sp>
-        <p:nvSpPr>
-          <p:cNvPr id="10" name="Striped Right Arrow 9"/>
-          <p:cNvSpPr/>
-          <p:nvPr/>
-        </p:nvSpPr>
-        <p:spPr>
-          <a:xfrm>
-            <a:off x="212835" y="3276600"/>
-            <a:ext cx="228600" cy="381000"/>
-          </a:xfrm>
-          <a:prstGeom prst="stripedRightArrow">
-            <a:avLst/>
-          </a:prstGeom>
-        </p:spPr>
-        <p:style>
-          <a:lnRef idx="2">
-            <a:schemeClr val="accent1">
-              <a:shade val="50000"/>
-            </a:schemeClr>
-          </a:lnRef>
-          <a:fillRef idx="1">
-            <a:schemeClr val="accent1"/>
-          </a:fillRef>
-          <a:effectRef idx="0">
-            <a:schemeClr val="accent1"/>
-          </a:effectRef>
-          <a:fontRef idx="minor">
-            <a:schemeClr val="lt1"/>
-          </a:fontRef>
-        </p:style>
-        <p:txBody>
-          <a:bodyPr rtlCol="0" anchor="ctr"/>
-          <a:lstStyle/>
-          <a:p>
-            <a:pPr algn="ctr"/>
-            <a:endParaRPr lang="en-US"/>
-          </a:p>
-        </p:txBody>
-      </p:sp>
-    </p:spTree>
-    <p:extLst>
-      <p:ext uri="{BB962C8B-B14F-4D97-AF65-F5344CB8AC3E}">
-        <p14:creationId xmlns:p14="http://schemas.microsoft.com/office/powerpoint/2010/main" val="124579749"/>
-      </p:ext>
-    </p:extLst>
-  </p:cSld>
-  <p:clrMapOvr>
-    <a:masterClrMapping/>
-  </p:clrMapOvr>
-  <p:timing>
-    <p:tnLst>
-      <p:par>
-        <p:cTn id="1" dur="indefinite" restart="never" nodeType="tmRoot"/>
-      </p:par>
-    </p:tnLst>
-  </p:timing>
-</p:sld>
-</file>
-
-<file path=ppt/slides/slide19.xml><?xml version="1.0" encoding="utf-8"?>
-<p:sld xmlns:a="http://schemas.openxmlformats.org/drawingml/2006/main" xmlns:r="http://schemas.openxmlformats.org/officeDocument/2006/relationships" xmlns:p="http://schemas.openxmlformats.org/presentationml/2006/main">
-  <p:cSld>
-    <p:spTree>
-      <p:nvGrpSpPr>
-        <p:cNvPr id="1" name=""/>
-        <p:cNvGrpSpPr/>
-        <p:nvPr/>
-      </p:nvGrpSpPr>
-      <p:grpSpPr>
-        <a:xfrm>
-          <a:off x="0" y="0"/>
-          <a:ext cx="0" cy="0"/>
-          <a:chOff x="0" y="0"/>
-          <a:chExt cx="0" cy="0"/>
-        </a:xfrm>
-      </p:grpSpPr>
-      <p:sp>
-        <p:nvSpPr>
-          <p:cNvPr id="2" name="Title 1"/>
-          <p:cNvSpPr>
-            <a:spLocks noGrp="1"/>
-          </p:cNvSpPr>
-          <p:nvPr>
-            <p:ph type="title"/>
-          </p:nvPr>
-        </p:nvSpPr>
-        <p:spPr/>
-        <p:txBody>
-          <a:bodyPr/>
-          <a:lstStyle/>
-          <a:p>
-            <a:r>
-              <a:rPr lang="en-US" dirty="0" smtClean="0"/>
-              <a:t>Tools</a:t>
-            </a:r>
-            <a:endParaRPr lang="en-US" dirty="0"/>
-          </a:p>
-        </p:txBody>
-      </p:sp>
-      <p:sp>
-        <p:nvSpPr>
-          <p:cNvPr id="3" name="Content Placeholder 2"/>
-          <p:cNvSpPr>
-            <a:spLocks noGrp="1"/>
-          </p:cNvSpPr>
-          <p:nvPr>
-            <p:ph idx="1"/>
-          </p:nvPr>
-        </p:nvSpPr>
-        <p:spPr/>
-        <p:txBody>
-          <a:bodyPr/>
-          <a:lstStyle/>
-          <a:p>
-            <a:r>
-              <a:rPr lang="en-US" dirty="0" smtClean="0"/>
-              <a:t>Install</a:t>
-            </a:r>
-          </a:p>
-          <a:p>
-            <a:pPr lvl="1"/>
-            <a:r>
-              <a:rPr lang="en-US" dirty="0" smtClean="0"/>
-              <a:t>R</a:t>
-            </a:r>
-          </a:p>
-          <a:p>
-            <a:pPr lvl="2"/>
-            <a:r>
-              <a:rPr lang="en-US" dirty="0" smtClean="0"/>
-              <a:t>The R Project for Statistical Computing</a:t>
-            </a:r>
-          </a:p>
-          <a:p>
-            <a:pPr lvl="2"/>
-            <a:r>
-              <a:rPr lang="en-US" dirty="0" smtClean="0"/>
-              <a:t>URL: </a:t>
-            </a:r>
-            <a:r>
-              <a:rPr lang="en-US" dirty="0" smtClean="0">
-                <a:hlinkClick r:id="rId2"/>
-              </a:rPr>
-              <a:t>http</a:t>
-            </a:r>
-            <a:r>
-              <a:rPr lang="en-US" dirty="0">
-                <a:hlinkClick r:id="rId2"/>
-              </a:rPr>
-              <a:t>://www.r-project.org</a:t>
-            </a:r>
-            <a:r>
-              <a:rPr lang="en-US" dirty="0" smtClean="0">
-                <a:hlinkClick r:id="rId2"/>
-              </a:rPr>
-              <a:t>/</a:t>
-            </a:r>
-            <a:endParaRPr lang="en-US" dirty="0"/>
-          </a:p>
-          <a:p>
-            <a:pPr lvl="1"/>
-            <a:r>
-              <a:rPr lang="en-US" dirty="0" err="1" smtClean="0"/>
-              <a:t>RStudio</a:t>
-            </a:r>
-            <a:endParaRPr lang="en-US" dirty="0" smtClean="0"/>
-          </a:p>
-          <a:p>
-            <a:pPr lvl="2"/>
-            <a:r>
-              <a:rPr lang="en-US" dirty="0" smtClean="0"/>
-              <a:t>IDE for R</a:t>
-            </a:r>
-          </a:p>
-          <a:p>
-            <a:pPr lvl="2"/>
-            <a:r>
-              <a:rPr lang="en-US" dirty="0"/>
-              <a:t>URL: </a:t>
-            </a:r>
-            <a:r>
-              <a:rPr lang="en-US" dirty="0">
-                <a:hlinkClick r:id="rId3"/>
-              </a:rPr>
-              <a:t>http://www.rstudio.com</a:t>
-            </a:r>
-            <a:r>
-              <a:rPr lang="en-US" dirty="0" smtClean="0">
-                <a:hlinkClick r:id="rId3"/>
-              </a:rPr>
-              <a:t>/</a:t>
-            </a:r>
-            <a:endParaRPr lang="en-US" dirty="0" smtClean="0"/>
-          </a:p>
-          <a:p>
-            <a:pPr lvl="1"/>
-            <a:r>
-              <a:rPr lang="en-US" dirty="0" smtClean="0"/>
-              <a:t>Also at</a:t>
-            </a:r>
-            <a:endParaRPr lang="en-US" dirty="0"/>
-          </a:p>
-        </p:txBody>
-      </p:sp>
-    </p:spTree>
-    <p:extLst>
-      <p:ext uri="{BB962C8B-B14F-4D97-AF65-F5344CB8AC3E}">
-        <p14:creationId xmlns:p14="http://schemas.microsoft.com/office/powerpoint/2010/main" val="2171752278"/>
-      </p:ext>
-    </p:extLst>
-  </p:cSld>
-  <p:clrMapOvr>
-    <a:masterClrMapping/>
-  </p:clrMapOvr>
-  <p:timing>
-    <p:tnLst>
-      <p:par>
-        <p:cTn id="1" dur="indefinite" restart="never" nodeType="tmRoot"/>
-      </p:par>
-    </p:tnLst>
-  </p:timing>
 </p:sld>
 </file>
 
@@ -4587,7 +3559,7 @@
           <a:p>
             <a:pPr eaLnBrk="1" hangingPunct="1"/>
             <a:r>
-              <a:rPr lang="en-US" dirty="0" smtClean="0"/>
+              <a:rPr lang="en-US" dirty="0"/>
               <a:t>Administrative</a:t>
             </a:r>
           </a:p>
@@ -4610,76 +3582,72 @@
           <a:p>
             <a:pPr eaLnBrk="1" hangingPunct="1"/>
             <a:r>
-              <a:rPr lang="en-US" sz="2400" dirty="0" smtClean="0"/>
+              <a:rPr lang="en-US" sz="2400" dirty="0"/>
               <a:t>Programming Paradigms: Functional and Object Oriented</a:t>
             </a:r>
           </a:p>
           <a:p>
             <a:pPr lvl="1"/>
             <a:r>
-              <a:rPr lang="en-US" sz="2000" dirty="0" smtClean="0"/>
-              <a:t>Location</a:t>
-            </a:r>
-            <a:r>
-              <a:rPr lang="en-US" sz="2000" dirty="0" smtClean="0"/>
-              <a:t>: </a:t>
-            </a:r>
-            <a:r>
-              <a:rPr lang="en-US" sz="2000" dirty="0" err="1" smtClean="0"/>
+              <a:rPr lang="en-US" sz="2000" dirty="0"/>
+              <a:t>Location: </a:t>
+            </a:r>
+            <a:r>
+              <a:rPr lang="en-US" sz="2000" dirty="0" err="1"/>
               <a:t>Bldg</a:t>
             </a:r>
             <a:r>
-              <a:rPr lang="en-US" sz="2000" dirty="0" smtClean="0"/>
+              <a:rPr lang="en-US" sz="2000" dirty="0"/>
               <a:t> 646, Rm 102</a:t>
             </a:r>
           </a:p>
           <a:p>
             <a:pPr eaLnBrk="1" hangingPunct="1"/>
             <a:r>
-              <a:rPr lang="en-US" sz="2400" dirty="0" smtClean="0"/>
+              <a:rPr lang="en-US" sz="2400" dirty="0"/>
               <a:t>My information</a:t>
             </a:r>
           </a:p>
           <a:p>
             <a:pPr lvl="1"/>
             <a:r>
-              <a:rPr lang="en-US" sz="2000" dirty="0" smtClean="0"/>
+              <a:rPr lang="en-US" sz="2000" dirty="0"/>
               <a:t>Office: </a:t>
             </a:r>
             <a:r>
-              <a:rPr lang="en-US" sz="2000" dirty="0" err="1" smtClean="0"/>
+              <a:rPr lang="en-US" sz="2000" dirty="0" err="1"/>
               <a:t>Bldg</a:t>
             </a:r>
             <a:r>
-              <a:rPr lang="en-US" sz="2000" dirty="0" smtClean="0"/>
+              <a:rPr lang="en-US" sz="2000" dirty="0"/>
               <a:t> 642, Rm 203 (Across from Gecko CCR Lab)</a:t>
             </a:r>
           </a:p>
           <a:p>
             <a:pPr lvl="1"/>
             <a:r>
-              <a:rPr lang="en-US" sz="2000" dirty="0" smtClean="0"/>
+              <a:rPr lang="en-US" sz="2000" dirty="0"/>
               <a:t>Phone: x4395</a:t>
             </a:r>
           </a:p>
           <a:p>
             <a:pPr eaLnBrk="1" hangingPunct="1"/>
             <a:r>
-              <a:rPr lang="en-US" sz="2400" dirty="0" smtClean="0"/>
+              <a:rPr lang="en-US" sz="2400" dirty="0"/>
               <a:t>Course Materials</a:t>
             </a:r>
           </a:p>
           <a:p>
             <a:pPr lvl="1" eaLnBrk="1" hangingPunct="1"/>
             <a:r>
-              <a:rPr lang="en-US" sz="2000" dirty="0" smtClean="0"/>
+              <a:rPr lang="en-US" sz="2000" dirty="0"/>
               <a:t>https://git.nykl.net/csce093/csce093</a:t>
             </a:r>
           </a:p>
           <a:p>
             <a:pPr eaLnBrk="1" hangingPunct="1"/>
             <a:r>
-              <a:rPr lang="en-US" sz="2400" dirty="0" smtClean="0"/>
+              <a:rPr lang="en-US" sz="2400" dirty="0"/>
               <a:t>No grade</a:t>
             </a:r>
           </a:p>
@@ -4690,661 +3658,6 @@
   <p:clrMapOvr>
     <a:masterClrMapping/>
   </p:clrMapOvr>
-  <p:timing>
-    <p:tnLst>
-      <p:par>
-        <p:cTn id="1" dur="indefinite" restart="never" nodeType="tmRoot"/>
-      </p:par>
-    </p:tnLst>
-  </p:timing>
-</p:sld>
-</file>
-
-<file path=ppt/slides/slide20.xml><?xml version="1.0" encoding="utf-8"?>
-<p:sld xmlns:a="http://schemas.openxmlformats.org/drawingml/2006/main" xmlns:r="http://schemas.openxmlformats.org/officeDocument/2006/relationships" xmlns:p="http://schemas.openxmlformats.org/presentationml/2006/main">
-  <p:cSld>
-    <p:spTree>
-      <p:nvGrpSpPr>
-        <p:cNvPr id="1" name=""/>
-        <p:cNvGrpSpPr/>
-        <p:nvPr/>
-      </p:nvGrpSpPr>
-      <p:grpSpPr>
-        <a:xfrm>
-          <a:off x="0" y="0"/>
-          <a:ext cx="0" cy="0"/>
-          <a:chOff x="0" y="0"/>
-          <a:chExt cx="0" cy="0"/>
-        </a:xfrm>
-      </p:grpSpPr>
-      <p:sp>
-        <p:nvSpPr>
-          <p:cNvPr id="2" name="Title 1"/>
-          <p:cNvSpPr>
-            <a:spLocks noGrp="1"/>
-          </p:cNvSpPr>
-          <p:nvPr>
-            <p:ph type="title"/>
-          </p:nvPr>
-        </p:nvSpPr>
-        <p:spPr/>
-        <p:txBody>
-          <a:bodyPr/>
-          <a:lstStyle/>
-          <a:p>
-            <a:r>
-              <a:rPr lang="en-US" dirty="0" smtClean="0"/>
-              <a:t>R Tutorial – Try R</a:t>
-            </a:r>
-            <a:endParaRPr lang="en-US" dirty="0"/>
-          </a:p>
-        </p:txBody>
-      </p:sp>
-      <p:sp>
-        <p:nvSpPr>
-          <p:cNvPr id="3" name="Content Placeholder 2"/>
-          <p:cNvSpPr>
-            <a:spLocks noGrp="1"/>
-          </p:cNvSpPr>
-          <p:nvPr>
-            <p:ph idx="1"/>
-          </p:nvPr>
-        </p:nvSpPr>
-        <p:spPr>
-          <a:xfrm>
-            <a:off x="457200" y="1295400"/>
-            <a:ext cx="3886200" cy="4953000"/>
-          </a:xfrm>
-        </p:spPr>
-        <p:txBody>
-          <a:bodyPr/>
-          <a:lstStyle/>
-          <a:p>
-            <a:r>
-              <a:rPr lang="en-US" sz="2000" dirty="0" smtClean="0"/>
-              <a:t>URL</a:t>
-            </a:r>
-          </a:p>
-          <a:p>
-            <a:pPr lvl="1"/>
-            <a:r>
-              <a:rPr lang="en-US" sz="1600" dirty="0">
-                <a:hlinkClick r:id="rId2"/>
-              </a:rPr>
-              <a:t>http://tryr.codeschool.com/</a:t>
-            </a:r>
-            <a:endParaRPr lang="en-US" sz="1600" dirty="0" smtClean="0"/>
-          </a:p>
-          <a:p>
-            <a:r>
-              <a:rPr lang="en-US" sz="2000" dirty="0" smtClean="0"/>
-              <a:t>Pros</a:t>
-            </a:r>
-          </a:p>
-          <a:p>
-            <a:pPr lvl="1"/>
-            <a:r>
-              <a:rPr lang="en-US" sz="1600" dirty="0" smtClean="0"/>
-              <a:t>Structured</a:t>
-            </a:r>
-          </a:p>
-          <a:p>
-            <a:pPr lvl="1"/>
-            <a:r>
-              <a:rPr lang="en-US" sz="1600" dirty="0" smtClean="0"/>
-              <a:t>Accessible, all lessons are online and executed within browser</a:t>
-            </a:r>
-          </a:p>
-          <a:p>
-            <a:pPr lvl="1"/>
-            <a:r>
-              <a:rPr lang="en-US" sz="1600" dirty="0" smtClean="0"/>
-              <a:t>Very straightforward</a:t>
-            </a:r>
-          </a:p>
-          <a:p>
-            <a:r>
-              <a:rPr lang="en-US" sz="2000" dirty="0" smtClean="0"/>
-              <a:t>Cons</a:t>
-            </a:r>
-          </a:p>
-          <a:p>
-            <a:pPr lvl="1"/>
-            <a:r>
-              <a:rPr lang="en-US" sz="1600" dirty="0" smtClean="0"/>
-              <a:t>Maybe too structured</a:t>
-            </a:r>
-          </a:p>
-          <a:p>
-            <a:pPr lvl="1"/>
-            <a:r>
-              <a:rPr lang="en-US" sz="1600" dirty="0" smtClean="0"/>
-              <a:t>Each step must be followed, little freedom to ‘explore’ beyond what is being presented</a:t>
-            </a:r>
-          </a:p>
-          <a:p>
-            <a:pPr lvl="1"/>
-            <a:r>
-              <a:rPr lang="en-US" sz="1600" dirty="0" smtClean="0"/>
-              <a:t>Won’t become familiar with ‘</a:t>
-            </a:r>
-            <a:r>
-              <a:rPr lang="en-US" sz="1600" dirty="0" err="1" smtClean="0"/>
-              <a:t>RStudio</a:t>
-            </a:r>
-            <a:r>
-              <a:rPr lang="en-US" sz="1600" dirty="0" smtClean="0"/>
-              <a:t>’ an important IDE</a:t>
-            </a:r>
-          </a:p>
-        </p:txBody>
-      </p:sp>
-      <p:pic>
-        <p:nvPicPr>
-          <p:cNvPr id="1026" name="Picture 2"/>
-          <p:cNvPicPr>
-            <a:picLocks noChangeAspect="1" noChangeArrowheads="1"/>
-          </p:cNvPicPr>
-          <p:nvPr/>
-        </p:nvPicPr>
-        <p:blipFill>
-          <a:blip r:embed="rId3">
-            <a:extLst>
-              <a:ext uri="{28A0092B-C50C-407E-A947-70E740481C1C}">
-                <a14:useLocalDpi xmlns:a14="http://schemas.microsoft.com/office/drawing/2010/main" val="0"/>
-              </a:ext>
-            </a:extLst>
-          </a:blip>
-          <a:srcRect/>
-          <a:stretch>
-            <a:fillRect/>
-          </a:stretch>
-        </p:blipFill>
-        <p:spPr bwMode="auto">
-          <a:xfrm>
-            <a:off x="4419600" y="1266962"/>
-            <a:ext cx="4583368" cy="5438637"/>
-          </a:xfrm>
-          <a:prstGeom prst="rect">
-            <a:avLst/>
-          </a:prstGeom>
-          <a:noFill/>
-          <a:ln>
-            <a:noFill/>
-          </a:ln>
-          <a:extLst>
-            <a:ext uri="{909E8E84-426E-40DD-AFC4-6F175D3DCCD1}">
-              <a14:hiddenFill xmlns:a14="http://schemas.microsoft.com/office/drawing/2010/main">
-                <a:solidFill>
-                  <a:schemeClr val="accent1"/>
-                </a:solidFill>
-              </a14:hiddenFill>
-            </a:ext>
-            <a:ext uri="{91240B29-F687-4F45-9708-019B960494DF}">
-              <a14:hiddenLine xmlns:a14="http://schemas.microsoft.com/office/drawing/2010/main" w="9525">
-                <a:solidFill>
-                  <a:schemeClr val="tx1"/>
-                </a:solidFill>
-                <a:miter lim="800000"/>
-                <a:headEnd/>
-                <a:tailEnd/>
-              </a14:hiddenLine>
-            </a:ext>
-          </a:extLst>
-        </p:spPr>
-      </p:pic>
-    </p:spTree>
-    <p:extLst>
-      <p:ext uri="{BB962C8B-B14F-4D97-AF65-F5344CB8AC3E}">
-        <p14:creationId xmlns:p14="http://schemas.microsoft.com/office/powerpoint/2010/main" val="1181294032"/>
-      </p:ext>
-    </p:extLst>
-  </p:cSld>
-  <p:clrMapOvr>
-    <a:masterClrMapping/>
-  </p:clrMapOvr>
-  <p:timing>
-    <p:tnLst>
-      <p:par>
-        <p:cTn id="1" dur="indefinite" restart="never" nodeType="tmRoot"/>
-      </p:par>
-    </p:tnLst>
-  </p:timing>
-</p:sld>
-</file>
-
-<file path=ppt/slides/slide21.xml><?xml version="1.0" encoding="utf-8"?>
-<p:sld xmlns:a="http://schemas.openxmlformats.org/drawingml/2006/main" xmlns:r="http://schemas.openxmlformats.org/officeDocument/2006/relationships" xmlns:p="http://schemas.openxmlformats.org/presentationml/2006/main">
-  <p:cSld>
-    <p:spTree>
-      <p:nvGrpSpPr>
-        <p:cNvPr id="1" name=""/>
-        <p:cNvGrpSpPr/>
-        <p:nvPr/>
-      </p:nvGrpSpPr>
-      <p:grpSpPr>
-        <a:xfrm>
-          <a:off x="0" y="0"/>
-          <a:ext cx="0" cy="0"/>
-          <a:chOff x="0" y="0"/>
-          <a:chExt cx="0" cy="0"/>
-        </a:xfrm>
-      </p:grpSpPr>
-      <p:sp>
-        <p:nvSpPr>
-          <p:cNvPr id="2" name="Title 1"/>
-          <p:cNvSpPr>
-            <a:spLocks noGrp="1"/>
-          </p:cNvSpPr>
-          <p:nvPr>
-            <p:ph type="title"/>
-          </p:nvPr>
-        </p:nvSpPr>
-        <p:spPr/>
-        <p:txBody>
-          <a:bodyPr/>
-          <a:lstStyle/>
-          <a:p>
-            <a:r>
-              <a:rPr lang="en-US" dirty="0" smtClean="0"/>
-              <a:t>R Tutorial – </a:t>
-            </a:r>
-            <a:r>
-              <a:rPr lang="en-US" dirty="0"/>
-              <a:t>R Tutorial</a:t>
-            </a:r>
-          </a:p>
-        </p:txBody>
-      </p:sp>
-      <p:sp>
-        <p:nvSpPr>
-          <p:cNvPr id="3" name="Content Placeholder 2"/>
-          <p:cNvSpPr>
-            <a:spLocks noGrp="1"/>
-          </p:cNvSpPr>
-          <p:nvPr>
-            <p:ph idx="1"/>
-          </p:nvPr>
-        </p:nvSpPr>
-        <p:spPr>
-          <a:xfrm>
-            <a:off x="457200" y="1295400"/>
-            <a:ext cx="4114800" cy="4953000"/>
-          </a:xfrm>
-        </p:spPr>
-        <p:txBody>
-          <a:bodyPr/>
-          <a:lstStyle/>
-          <a:p>
-            <a:r>
-              <a:rPr lang="en-US" sz="2000" dirty="0" smtClean="0"/>
-              <a:t>URL</a:t>
-            </a:r>
-          </a:p>
-          <a:p>
-            <a:pPr lvl="1"/>
-            <a:r>
-              <a:rPr lang="en-US" sz="1600" dirty="0">
-                <a:hlinkClick r:id="rId2"/>
-              </a:rPr>
-              <a:t>http://www.cyclismo.org/tutorial/R/ </a:t>
-            </a:r>
-            <a:endParaRPr lang="en-US" sz="1600" dirty="0" smtClean="0"/>
-          </a:p>
-          <a:p>
-            <a:pPr lvl="1"/>
-            <a:r>
-              <a:rPr lang="en-US" sz="1600" dirty="0">
-                <a:hlinkClick r:id="rId3"/>
-              </a:rPr>
-              <a:t>http</a:t>
-            </a:r>
-            <a:r>
-              <a:rPr lang="en-US" sz="1600">
-                <a:hlinkClick r:id="rId3"/>
-              </a:rPr>
-              <a:t>://</a:t>
-            </a:r>
-            <a:r>
-              <a:rPr lang="en-US" sz="1600" smtClean="0">
-                <a:hlinkClick r:id="rId3"/>
-              </a:rPr>
-              <a:t>www.tutorialspoint.com/codingground.htm</a:t>
-            </a:r>
-            <a:endParaRPr lang="en-US" sz="1600" dirty="0" smtClean="0"/>
-          </a:p>
-          <a:p>
-            <a:r>
-              <a:rPr lang="en-US" sz="2000" dirty="0" smtClean="0"/>
-              <a:t>Pros</a:t>
-            </a:r>
-            <a:endParaRPr lang="en-US" sz="2400" dirty="0" smtClean="0"/>
-          </a:p>
-          <a:p>
-            <a:pPr lvl="1"/>
-            <a:r>
-              <a:rPr lang="en-US" sz="1600" dirty="0" smtClean="0"/>
-              <a:t>Comprehensive, both R as a language and as a statistical tool are covered</a:t>
-            </a:r>
-          </a:p>
-          <a:p>
-            <a:pPr lvl="1"/>
-            <a:r>
-              <a:rPr lang="en-US" sz="1600" dirty="0" smtClean="0"/>
-              <a:t>Use </a:t>
-            </a:r>
-            <a:r>
-              <a:rPr lang="en-US" sz="1600" dirty="0" err="1" smtClean="0"/>
-              <a:t>RStudio</a:t>
-            </a:r>
-            <a:r>
-              <a:rPr lang="en-US" sz="1600" dirty="0" smtClean="0"/>
-              <a:t> to work problems</a:t>
-            </a:r>
-          </a:p>
-          <a:p>
-            <a:r>
-              <a:rPr lang="en-US" sz="1800" dirty="0" smtClean="0"/>
-              <a:t>Cons</a:t>
-            </a:r>
-            <a:endParaRPr lang="en-US" sz="2000" dirty="0" smtClean="0"/>
-          </a:p>
-          <a:p>
-            <a:pPr lvl="1"/>
-            <a:r>
-              <a:rPr lang="en-US" sz="1600" dirty="0" smtClean="0"/>
-              <a:t>A bit of intermixing “language” issues with application domain focus (statistical calculations)</a:t>
-            </a:r>
-          </a:p>
-        </p:txBody>
-      </p:sp>
-      <p:pic>
-        <p:nvPicPr>
-          <p:cNvPr id="2051" name="Picture 3"/>
-          <p:cNvPicPr>
-            <a:picLocks noChangeAspect="1" noChangeArrowheads="1"/>
-          </p:cNvPicPr>
-          <p:nvPr/>
-        </p:nvPicPr>
-        <p:blipFill>
-          <a:blip r:embed="rId4">
-            <a:extLst>
-              <a:ext uri="{28A0092B-C50C-407E-A947-70E740481C1C}">
-                <a14:useLocalDpi xmlns:a14="http://schemas.microsoft.com/office/drawing/2010/main" val="0"/>
-              </a:ext>
-            </a:extLst>
-          </a:blip>
-          <a:srcRect/>
-          <a:stretch>
-            <a:fillRect/>
-          </a:stretch>
-        </p:blipFill>
-        <p:spPr bwMode="auto">
-          <a:xfrm>
-            <a:off x="4648200" y="838200"/>
-            <a:ext cx="4276725" cy="5876925"/>
-          </a:xfrm>
-          <a:prstGeom prst="rect">
-            <a:avLst/>
-          </a:prstGeom>
-          <a:noFill/>
-          <a:ln>
-            <a:noFill/>
-          </a:ln>
-          <a:extLst>
-            <a:ext uri="{909E8E84-426E-40DD-AFC4-6F175D3DCCD1}">
-              <a14:hiddenFill xmlns:a14="http://schemas.microsoft.com/office/drawing/2010/main">
-                <a:solidFill>
-                  <a:schemeClr val="accent1"/>
-                </a:solidFill>
-              </a14:hiddenFill>
-            </a:ext>
-            <a:ext uri="{91240B29-F687-4F45-9708-019B960494DF}">
-              <a14:hiddenLine xmlns:a14="http://schemas.microsoft.com/office/drawing/2010/main" w="9525">
-                <a:solidFill>
-                  <a:schemeClr val="tx1"/>
-                </a:solidFill>
-                <a:miter lim="800000"/>
-                <a:headEnd/>
-                <a:tailEnd/>
-              </a14:hiddenLine>
-            </a:ext>
-          </a:extLst>
-        </p:spPr>
-      </p:pic>
-      <p:cxnSp>
-        <p:nvCxnSpPr>
-          <p:cNvPr id="5" name="Straight Arrow Connector 4"/>
-          <p:cNvCxnSpPr/>
-          <p:nvPr/>
-        </p:nvCxnSpPr>
-        <p:spPr>
-          <a:xfrm>
-            <a:off x="4572000" y="2590800"/>
-            <a:ext cx="381000" cy="0"/>
-          </a:xfrm>
-          <a:prstGeom prst="straightConnector1">
-            <a:avLst/>
-          </a:prstGeom>
-          <a:ln w="22225">
-            <a:solidFill>
-              <a:srgbClr val="FF0000"/>
-            </a:solidFill>
-            <a:tailEnd type="arrow"/>
-          </a:ln>
-        </p:spPr>
-        <p:style>
-          <a:lnRef idx="1">
-            <a:schemeClr val="accent1"/>
-          </a:lnRef>
-          <a:fillRef idx="0">
-            <a:schemeClr val="accent1"/>
-          </a:fillRef>
-          <a:effectRef idx="0">
-            <a:schemeClr val="accent1"/>
-          </a:effectRef>
-          <a:fontRef idx="minor">
-            <a:schemeClr val="tx1"/>
-          </a:fontRef>
-        </p:style>
-      </p:cxnSp>
-      <p:cxnSp>
-        <p:nvCxnSpPr>
-          <p:cNvPr id="9" name="Straight Arrow Connector 8"/>
-          <p:cNvCxnSpPr/>
-          <p:nvPr/>
-        </p:nvCxnSpPr>
-        <p:spPr>
-          <a:xfrm>
-            <a:off x="4572000" y="2819400"/>
-            <a:ext cx="381000" cy="0"/>
-          </a:xfrm>
-          <a:prstGeom prst="straightConnector1">
-            <a:avLst/>
-          </a:prstGeom>
-          <a:ln w="22225">
-            <a:solidFill>
-              <a:srgbClr val="FF0000"/>
-            </a:solidFill>
-            <a:tailEnd type="arrow"/>
-          </a:ln>
-        </p:spPr>
-        <p:style>
-          <a:lnRef idx="1">
-            <a:schemeClr val="accent1"/>
-          </a:lnRef>
-          <a:fillRef idx="0">
-            <a:schemeClr val="accent1"/>
-          </a:fillRef>
-          <a:effectRef idx="0">
-            <a:schemeClr val="accent1"/>
-          </a:effectRef>
-          <a:fontRef idx="minor">
-            <a:schemeClr val="tx1"/>
-          </a:fontRef>
-        </p:style>
-      </p:cxnSp>
-      <p:cxnSp>
-        <p:nvCxnSpPr>
-          <p:cNvPr id="10" name="Straight Arrow Connector 9"/>
-          <p:cNvCxnSpPr/>
-          <p:nvPr/>
-        </p:nvCxnSpPr>
-        <p:spPr>
-          <a:xfrm>
-            <a:off x="4572000" y="3048000"/>
-            <a:ext cx="381000" cy="0"/>
-          </a:xfrm>
-          <a:prstGeom prst="straightConnector1">
-            <a:avLst/>
-          </a:prstGeom>
-          <a:ln w="22225">
-            <a:solidFill>
-              <a:srgbClr val="FF0000"/>
-            </a:solidFill>
-            <a:tailEnd type="arrow"/>
-          </a:ln>
-        </p:spPr>
-        <p:style>
-          <a:lnRef idx="1">
-            <a:schemeClr val="accent1"/>
-          </a:lnRef>
-          <a:fillRef idx="0">
-            <a:schemeClr val="accent1"/>
-          </a:fillRef>
-          <a:effectRef idx="0">
-            <a:schemeClr val="accent1"/>
-          </a:effectRef>
-          <a:fontRef idx="minor">
-            <a:schemeClr val="tx1"/>
-          </a:fontRef>
-        </p:style>
-      </p:cxnSp>
-      <p:cxnSp>
-        <p:nvCxnSpPr>
-          <p:cNvPr id="11" name="Straight Arrow Connector 10"/>
-          <p:cNvCxnSpPr/>
-          <p:nvPr/>
-        </p:nvCxnSpPr>
-        <p:spPr>
-          <a:xfrm>
-            <a:off x="4572000" y="3962400"/>
-            <a:ext cx="381000" cy="0"/>
-          </a:xfrm>
-          <a:prstGeom prst="straightConnector1">
-            <a:avLst/>
-          </a:prstGeom>
-          <a:ln w="22225">
-            <a:solidFill>
-              <a:srgbClr val="FF0000"/>
-            </a:solidFill>
-            <a:tailEnd type="arrow"/>
-          </a:ln>
-        </p:spPr>
-        <p:style>
-          <a:lnRef idx="1">
-            <a:schemeClr val="accent1"/>
-          </a:lnRef>
-          <a:fillRef idx="0">
-            <a:schemeClr val="accent1"/>
-          </a:fillRef>
-          <a:effectRef idx="0">
-            <a:schemeClr val="accent1"/>
-          </a:effectRef>
-          <a:fontRef idx="minor">
-            <a:schemeClr val="tx1"/>
-          </a:fontRef>
-        </p:style>
-      </p:cxnSp>
-      <p:cxnSp>
-        <p:nvCxnSpPr>
-          <p:cNvPr id="12" name="Straight Arrow Connector 11"/>
-          <p:cNvCxnSpPr/>
-          <p:nvPr/>
-        </p:nvCxnSpPr>
-        <p:spPr>
-          <a:xfrm>
-            <a:off x="4567966" y="5791200"/>
-            <a:ext cx="381000" cy="0"/>
-          </a:xfrm>
-          <a:prstGeom prst="straightConnector1">
-            <a:avLst/>
-          </a:prstGeom>
-          <a:ln w="22225">
-            <a:solidFill>
-              <a:srgbClr val="FF0000"/>
-            </a:solidFill>
-            <a:tailEnd type="arrow"/>
-          </a:ln>
-        </p:spPr>
-        <p:style>
-          <a:lnRef idx="1">
-            <a:schemeClr val="accent1"/>
-          </a:lnRef>
-          <a:fillRef idx="0">
-            <a:schemeClr val="accent1"/>
-          </a:fillRef>
-          <a:effectRef idx="0">
-            <a:schemeClr val="accent1"/>
-          </a:effectRef>
-          <a:fontRef idx="minor">
-            <a:schemeClr val="tx1"/>
-          </a:fontRef>
-        </p:style>
-      </p:cxnSp>
-      <p:cxnSp>
-        <p:nvCxnSpPr>
-          <p:cNvPr id="13" name="Straight Arrow Connector 12"/>
-          <p:cNvCxnSpPr/>
-          <p:nvPr/>
-        </p:nvCxnSpPr>
-        <p:spPr>
-          <a:xfrm>
-            <a:off x="4572000" y="6019800"/>
-            <a:ext cx="381000" cy="0"/>
-          </a:xfrm>
-          <a:prstGeom prst="straightConnector1">
-            <a:avLst/>
-          </a:prstGeom>
-          <a:ln w="22225">
-            <a:solidFill>
-              <a:srgbClr val="FF0000"/>
-            </a:solidFill>
-            <a:tailEnd type="arrow"/>
-          </a:ln>
-        </p:spPr>
-        <p:style>
-          <a:lnRef idx="1">
-            <a:schemeClr val="accent1"/>
-          </a:lnRef>
-          <a:fillRef idx="0">
-            <a:schemeClr val="accent1"/>
-          </a:fillRef>
-          <a:effectRef idx="0">
-            <a:schemeClr val="accent1"/>
-          </a:effectRef>
-          <a:fontRef idx="minor">
-            <a:schemeClr val="tx1"/>
-          </a:fontRef>
-        </p:style>
-      </p:cxnSp>
-    </p:spTree>
-    <p:extLst>
-      <p:ext uri="{BB962C8B-B14F-4D97-AF65-F5344CB8AC3E}">
-        <p14:creationId xmlns:p14="http://schemas.microsoft.com/office/powerpoint/2010/main" val="1540031538"/>
-      </p:ext>
-    </p:extLst>
-  </p:cSld>
-  <p:clrMapOvr>
-    <a:masterClrMapping/>
-  </p:clrMapOvr>
-  <p:timing>
-    <p:tnLst>
-      <p:par>
-        <p:cTn id="1" dur="indefinite" restart="never" nodeType="tmRoot"/>
-      </p:par>
-    </p:tnLst>
-  </p:timing>
 </p:sld>
 </file>
 
@@ -5381,10 +3694,9 @@
           <a:lstStyle/>
           <a:p>
             <a:r>
-              <a:rPr lang="en-US" dirty="0" smtClean="0"/>
+              <a:rPr lang="en-US" dirty="0"/>
               <a:t>Educational Objectives</a:t>
             </a:r>
-            <a:endParaRPr lang="en-US" dirty="0"/>
           </a:p>
         </p:txBody>
       </p:sp>
@@ -5404,42 +3716,42 @@
           <a:lstStyle/>
           <a:p>
             <a:r>
-              <a:rPr lang="en-US" sz="2400" dirty="0" smtClean="0"/>
+              <a:rPr lang="en-US" sz="2400" dirty="0"/>
               <a:t>Object-oriented programming concepts</a:t>
             </a:r>
           </a:p>
           <a:p>
             <a:pPr lvl="1"/>
             <a:r>
-              <a:rPr lang="en-US" sz="2000" dirty="0" smtClean="0"/>
+              <a:rPr lang="en-US" sz="2000" dirty="0"/>
               <a:t>Knowledge of fundamental object-oriented concepts such as polymorphism, inheritance, encapsulation and operator overloading</a:t>
             </a:r>
           </a:p>
           <a:p>
             <a:pPr lvl="1"/>
             <a:r>
-              <a:rPr lang="en-US" sz="2000" dirty="0" smtClean="0"/>
+              <a:rPr lang="en-US" sz="2000" dirty="0"/>
               <a:t>Understanding of these concepts in a few popular languages</a:t>
             </a:r>
           </a:p>
           <a:p>
             <a:pPr lvl="2"/>
             <a:r>
-              <a:rPr lang="en-US" sz="2000" dirty="0" smtClean="0"/>
+              <a:rPr lang="en-US" sz="2000" dirty="0"/>
               <a:t>Java</a:t>
             </a:r>
           </a:p>
           <a:p>
             <a:pPr lvl="2"/>
             <a:r>
-              <a:rPr lang="en-US" sz="2000" dirty="0" smtClean="0"/>
+              <a:rPr lang="en-US" sz="2000" dirty="0"/>
               <a:t>Python</a:t>
             </a:r>
           </a:p>
           <a:p>
             <a:pPr lvl="2"/>
             <a:r>
-              <a:rPr lang="en-US" sz="2000" dirty="0" smtClean="0"/>
+              <a:rPr lang="en-US" sz="2000" dirty="0"/>
               <a:t>C++</a:t>
             </a:r>
           </a:p>
@@ -5448,14 +3760,14 @@
           </a:p>
           <a:p>
             <a:r>
-              <a:rPr lang="en-US" sz="2400" dirty="0" smtClean="0"/>
+              <a:rPr lang="en-US" sz="2400" dirty="0"/>
               <a:t>Functional programming concepts (time permitting)</a:t>
             </a:r>
           </a:p>
           <a:p>
             <a:pPr lvl="1"/>
             <a:r>
-              <a:rPr lang="en-US" sz="2000" dirty="0" smtClean="0"/>
+              <a:rPr lang="en-US" sz="2000" dirty="0"/>
               <a:t>Concepts – difference between object-oriented concepts</a:t>
             </a:r>
           </a:p>
@@ -5466,13 +3778,6 @@
   <p:clrMapOvr>
     <a:masterClrMapping/>
   </p:clrMapOvr>
-  <p:timing>
-    <p:tnLst>
-      <p:par>
-        <p:cTn id="1" dur="indefinite" restart="never" nodeType="tmRoot"/>
-      </p:par>
-    </p:tnLst>
-  </p:timing>
 </p:sld>
 </file>
 
@@ -5509,10 +3814,9 @@
           <a:lstStyle/>
           <a:p>
             <a:r>
-              <a:rPr lang="en-US" sz="4000" dirty="0" smtClean="0"/>
+              <a:rPr lang="en-US" sz="4000" dirty="0"/>
               <a:t>Overall Structure</a:t>
             </a:r>
-            <a:endParaRPr lang="en-US" sz="4000" dirty="0"/>
           </a:p>
         </p:txBody>
       </p:sp>
@@ -5533,11 +3837,7 @@
           <a:p>
             <a:r>
               <a:rPr lang="en-US" sz="2000" dirty="0"/>
-              <a:t>Week #</a:t>
-            </a:r>
-            <a:r>
-              <a:rPr lang="en-US" sz="2000" dirty="0" smtClean="0"/>
-              <a:t>1</a:t>
+              <a:t>Week #1</a:t>
             </a:r>
             <a:endParaRPr lang="en-US" sz="1800" dirty="0"/>
           </a:p>
@@ -5545,13 +3845,8 @@
             <a:pPr lvl="1"/>
             <a:r>
               <a:rPr lang="en-US" sz="1800" dirty="0"/>
-              <a:t>Topic: </a:t>
-            </a:r>
-            <a:r>
-              <a:rPr lang="en-US" sz="1800" dirty="0" smtClean="0"/>
-              <a:t>Programming Tools, GIT, Java JDK, VS Code</a:t>
-            </a:r>
-            <a:endParaRPr lang="en-US" sz="1800" dirty="0"/>
+              <a:t>Topic: Programming Tools, GIT, Java JDK, VS Code</a:t>
+            </a:r>
           </a:p>
           <a:p>
             <a:r>
@@ -5562,12 +3857,8 @@
           <a:p>
             <a:pPr lvl="1"/>
             <a:r>
-              <a:rPr lang="en-US" sz="1800" dirty="0" smtClean="0"/>
-              <a:t>Topic</a:t>
-            </a:r>
-            <a:r>
               <a:rPr lang="en-US" sz="1800" dirty="0"/>
-              <a:t>: Java – Fundamentals, procedural and OO programming</a:t>
+              <a:t>Topic: Java – Fundamentals, procedural and OO programming</a:t>
             </a:r>
           </a:p>
           <a:p>
@@ -5579,33 +3870,16 @@
           <a:p>
             <a:pPr lvl="1"/>
             <a:r>
-              <a:rPr lang="en-US" sz="1800" dirty="0" smtClean="0"/>
-              <a:t>Topic</a:t>
-            </a:r>
-            <a:r>
               <a:rPr lang="en-US" sz="1800" dirty="0"/>
-              <a:t>: Python – </a:t>
-            </a:r>
-            <a:r>
-              <a:rPr lang="en-US" sz="1800" dirty="0" smtClean="0"/>
-              <a:t>Fundamentals</a:t>
-            </a:r>
+              <a:t>Topic: Python – Fundamentals, procedural and OO programming</a:t>
+            </a:r>
+          </a:p>
+          <a:p>
+            <a:pPr lvl="1"/>
             <a:r>
               <a:rPr lang="en-US" sz="1800" dirty="0"/>
-              <a:t>, procedural and OO </a:t>
-            </a:r>
-            <a:r>
-              <a:rPr lang="en-US" sz="1800" dirty="0" smtClean="0"/>
-              <a:t>programming</a:t>
-            </a:r>
-          </a:p>
-          <a:p>
-            <a:pPr lvl="1"/>
-            <a:r>
-              <a:rPr lang="en-US" sz="1800" dirty="0" smtClean="0"/>
               <a:t>Topic: Functional programming</a:t>
             </a:r>
-            <a:endParaRPr lang="en-US" sz="1800" dirty="0"/>
           </a:p>
         </p:txBody>
       </p:sp>
@@ -5614,13 +3888,6 @@
   <p:clrMapOvr>
     <a:masterClrMapping/>
   </p:clrMapOvr>
-  <p:timing>
-    <p:tnLst>
-      <p:par>
-        <p:cTn id="1" dur="indefinite" restart="never" nodeType="tmRoot"/>
-      </p:par>
-    </p:tnLst>
-  </p:timing>
 </p:sld>
 </file>
 
@@ -5676,38 +3943,26 @@
           <a:lstStyle/>
           <a:p>
             <a:r>
-              <a:rPr lang="en-US" dirty="0" smtClean="0"/>
+              <a:rPr lang="en-US" dirty="0"/>
               <a:t>GIT</a:t>
             </a:r>
           </a:p>
           <a:p>
             <a:pPr lvl="1"/>
             <a:r>
-              <a:rPr lang="en-US" dirty="0" smtClean="0"/>
+              <a:rPr lang="en-US" dirty="0"/>
               <a:t>Distributed Version Control System</a:t>
             </a:r>
           </a:p>
           <a:p>
             <a:pPr lvl="1"/>
-            <a:r>
-              <a:rPr lang="en-US" dirty="0" smtClean="0">
-                <a:hlinkClick r:id="rId2"/>
-              </a:rPr>
-              <a:t>https</a:t>
-            </a:r>
             <a:r>
               <a:rPr lang="en-US" dirty="0">
                 <a:hlinkClick r:id="rId2"/>
               </a:rPr>
-              <a:t>://</a:t>
-            </a:r>
-            <a:r>
-              <a:rPr lang="en-US" dirty="0" smtClean="0">
-                <a:hlinkClick r:id="rId2"/>
-              </a:rPr>
-              <a:t>try.github.io/levels/1/challenges/1</a:t>
-            </a:r>
-            <a:endParaRPr lang="en-US" dirty="0" smtClean="0"/>
+              <a:t>https://try.github.io/levels/1/challenges/1</a:t>
+            </a:r>
+            <a:endParaRPr lang="en-US" dirty="0"/>
           </a:p>
           <a:p>
             <a:pPr lvl="1"/>
@@ -5715,23 +3970,16 @@
               <a:rPr lang="en-US" dirty="0">
                 <a:hlinkClick r:id="rId3"/>
               </a:rPr>
-              <a:t>https://</a:t>
-            </a:r>
-            <a:r>
-              <a:rPr lang="en-US" dirty="0" smtClean="0">
-                <a:hlinkClick r:id="rId3"/>
-              </a:rPr>
-              <a:t>www.youtube.com/watch?v=cEGIFZDyszA&amp;list=PL6gx4Cwl9DGAKWClAD_iKpNC0bGHxGhcx</a:t>
-            </a:r>
-            <a:endParaRPr lang="en-US" dirty="0" smtClean="0"/>
+              <a:t>https://www.youtube.com/watch?v=cEGIFZDyszA&amp;list=PL6gx4Cwl9DGAKWClAD_iKpNC0bGHxGhcx</a:t>
+            </a:r>
+            <a:endParaRPr lang="en-US" dirty="0"/>
           </a:p>
           <a:p>
             <a:pPr lvl="2"/>
             <a:r>
-              <a:rPr lang="en-US" dirty="0" smtClean="0"/>
+              <a:rPr lang="en-US" dirty="0"/>
               <a:t>GIT Tutorials on YouTube</a:t>
             </a:r>
-            <a:endParaRPr lang="en-US" dirty="0"/>
           </a:p>
         </p:txBody>
       </p:sp>
@@ -5781,10 +4029,9 @@
           <a:lstStyle/>
           <a:p>
             <a:r>
-              <a:rPr lang="en-US" dirty="0" smtClean="0"/>
+              <a:rPr lang="en-US" dirty="0"/>
               <a:t>Programming in Java</a:t>
             </a:r>
-            <a:endParaRPr lang="en-US" dirty="0"/>
           </a:p>
         </p:txBody>
       </p:sp>
@@ -5798,13 +4045,6 @@
   <p:clrMapOvr>
     <a:masterClrMapping/>
   </p:clrMapOvr>
-  <p:timing>
-    <p:tnLst>
-      <p:par>
-        <p:cTn id="1" dur="indefinite" restart="never" nodeType="tmRoot"/>
-      </p:par>
-    </p:tnLst>
-  </p:timing>
 </p:sld>
 </file>
 
@@ -5841,10 +4081,9 @@
           <a:lstStyle/>
           <a:p>
             <a:r>
-              <a:rPr lang="en-US" dirty="0" smtClean="0"/>
+              <a:rPr lang="en-US" dirty="0"/>
               <a:t>Tools</a:t>
             </a:r>
-            <a:endParaRPr lang="en-US" dirty="0"/>
           </a:p>
         </p:txBody>
       </p:sp>
@@ -5864,75 +4103,66 @@
           <a:lstStyle/>
           <a:p>
             <a:r>
-              <a:rPr lang="en-US" dirty="0" smtClean="0"/>
+              <a:rPr lang="en-US" dirty="0"/>
               <a:t>JRE / JDK</a:t>
             </a:r>
           </a:p>
           <a:p>
             <a:pPr lvl="1"/>
             <a:r>
-              <a:rPr lang="en-US" dirty="0" smtClean="0"/>
+              <a:rPr lang="en-US" dirty="0"/>
               <a:t>JRE: Java Runtime Environment</a:t>
             </a:r>
           </a:p>
           <a:p>
             <a:pPr lvl="1"/>
             <a:r>
-              <a:rPr lang="en-US" dirty="0" smtClean="0"/>
+              <a:rPr lang="en-US" dirty="0"/>
               <a:t>JDK: Java Development Kit</a:t>
             </a:r>
           </a:p>
           <a:p>
             <a:r>
-              <a:rPr lang="en-US" dirty="0" smtClean="0"/>
-              <a:t>IDEs (</a:t>
-            </a:r>
-            <a:r>
               <a:rPr lang="en-US" dirty="0"/>
-              <a:t>d</a:t>
-            </a:r>
-            <a:r>
-              <a:rPr lang="en-US" dirty="0" smtClean="0"/>
-              <a:t>evelopment environments)</a:t>
+              <a:t>IDEs (development environments)</a:t>
             </a:r>
           </a:p>
           <a:p>
             <a:pPr lvl="1"/>
             <a:r>
-              <a:rPr lang="en-US" dirty="0" smtClean="0"/>
+              <a:rPr lang="en-US" dirty="0"/>
               <a:t>Dr. Java</a:t>
             </a:r>
           </a:p>
           <a:p>
             <a:pPr lvl="1"/>
             <a:r>
-              <a:rPr lang="en-US" dirty="0" smtClean="0"/>
+              <a:rPr lang="en-US" dirty="0"/>
               <a:t>Eclipse</a:t>
             </a:r>
           </a:p>
           <a:p>
             <a:pPr lvl="1"/>
             <a:r>
-              <a:rPr lang="en-US" dirty="0" err="1" smtClean="0"/>
+              <a:rPr lang="en-US" dirty="0" err="1"/>
               <a:t>Netbeans</a:t>
             </a:r>
-            <a:endParaRPr lang="en-US" dirty="0" smtClean="0"/>
+            <a:endParaRPr lang="en-US" dirty="0"/>
           </a:p>
           <a:p>
             <a:pPr lvl="1"/>
             <a:r>
-              <a:rPr lang="en-US" dirty="0" smtClean="0"/>
+              <a:rPr lang="en-US" dirty="0"/>
               <a:t>IntelliJ IDEA</a:t>
             </a:r>
+          </a:p>
+          <a:p>
+            <a:pPr lvl="1"/>
+            <a:r>
+              <a:rPr lang="en-US"/>
+              <a:t>VS Code***</a:t>
+            </a:r>
             <a:endParaRPr lang="en-US" dirty="0"/>
-          </a:p>
-          <a:p>
-            <a:pPr lvl="1"/>
-            <a:r>
-              <a:rPr lang="en-US" smtClean="0"/>
-              <a:t>VS Code***</a:t>
-            </a:r>
-            <a:endParaRPr lang="en-US" dirty="0" smtClean="0"/>
           </a:p>
         </p:txBody>
       </p:sp>
@@ -5946,13 +4176,6 @@
   <p:clrMapOvr>
     <a:masterClrMapping/>
   </p:clrMapOvr>
-  <p:timing>
-    <p:tnLst>
-      <p:par>
-        <p:cTn id="1" dur="indefinite" restart="never" nodeType="tmRoot"/>
-      </p:par>
-    </p:tnLst>
-  </p:timing>
 </p:sld>
 </file>
 
@@ -5989,10 +4212,9 @@
           <a:lstStyle/>
           <a:p>
             <a:r>
-              <a:rPr lang="en-US" dirty="0" smtClean="0"/>
+              <a:rPr lang="en-US" dirty="0"/>
               <a:t>Eclipse IDE - Heavyweight</a:t>
             </a:r>
-            <a:endParaRPr lang="en-US" dirty="0"/>
           </a:p>
         </p:txBody>
       </p:sp>
@@ -6060,13 +4282,6 @@
   <p:clrMapOvr>
     <a:masterClrMapping/>
   </p:clrMapOvr>
-  <p:timing>
-    <p:tnLst>
-      <p:par>
-        <p:cTn id="1" dur="indefinite" restart="never" nodeType="tmRoot"/>
-      </p:par>
-    </p:tnLst>
-  </p:timing>
 </p:sld>
 </file>
 
@@ -6103,14 +4318,13 @@
           <a:lstStyle/>
           <a:p>
             <a:r>
-              <a:rPr lang="en-US" dirty="0" err="1" smtClean="0"/>
+              <a:rPr lang="en-US" dirty="0" err="1"/>
               <a:t>Dr</a:t>
             </a:r>
             <a:r>
-              <a:rPr lang="en-US" dirty="0" smtClean="0"/>
+              <a:rPr lang="en-US" dirty="0"/>
               <a:t> Java – Lightweight IDE</a:t>
             </a:r>
-            <a:endParaRPr lang="en-US" dirty="0"/>
           </a:p>
         </p:txBody>
       </p:sp>
@@ -6156,13 +4370,6 @@
   <p:clrMapOvr>
     <a:masterClrMapping/>
   </p:clrMapOvr>
-  <p:timing>
-    <p:tnLst>
-      <p:par>
-        <p:cTn id="1" dur="indefinite" restart="never" nodeType="tmRoot"/>
-      </p:par>
-    </p:tnLst>
-  </p:timing>
 </p:sld>
 </file>
 

--- a/slides/00-course-intro.pptx
+++ b/slides/00-course-intro.pptx
@@ -240,7 +240,7 @@
             <a:fld id="{B2B2FCEE-F6CE-4B8D-9B1B-4676A6BB0AFB}" type="datetimeFigureOut">
               <a:rPr lang="en-US" smtClean="0"/>
               <a:pPr/>
-              <a:t>9/13/2021</a:t>
+              <a:t>9/6/2023</a:t>
             </a:fld>
             <a:endParaRPr lang="en-US"/>
           </a:p>
@@ -407,7 +407,7 @@
             <a:fld id="{E1764091-E49F-4F14-951E-D59F416DB54B}" type="datetimeFigureOut">
               <a:rPr lang="en-US" smtClean="0"/>
               <a:pPr/>
-              <a:t>9/13/2021</a:t>
+              <a:t>9/6/2023</a:t>
             </a:fld>
             <a:endParaRPr lang="en-US" dirty="0"/>
           </a:p>
@@ -744,7 +744,7 @@
             <a:fld id="{4D70F4DB-2E8C-4365-A880-E48CDA094176}" type="datetime3">
               <a:rPr lang="en-US" smtClean="0"/>
               <a:pPr/>
-              <a:t>13 September 2021</a:t>
+              <a:t>6 September 2023</a:t>
             </a:fld>
             <a:endParaRPr lang="en-US"/>
           </a:p>
@@ -2320,7 +2320,7 @@
               <a:rPr lang="en-US" sz="1600" dirty="0">
                 <a:hlinkClick r:id="rId3"/>
               </a:rPr>
-              <a:t>http://www.tutorialspoint.com/java/index.htm</a:t>
+              <a:t>https://www.w3schools.com/java/</a:t>
             </a:r>
             <a:endParaRPr lang="en-US" sz="1600" dirty="0"/>
           </a:p>
@@ -3620,14 +3620,24 @@
             </a:r>
             <a:r>
               <a:rPr lang="en-US" sz="2000" dirty="0"/>
-              <a:t> 642, Rm 203 (Across from Gecko CCR Lab)</a:t>
+              <a:t> 642, Rm 203 (Prefer to message me on MS Teams / Email)</a:t>
             </a:r>
           </a:p>
           <a:p>
             <a:pPr lvl="1"/>
             <a:r>
               <a:rPr lang="en-US" sz="2000" dirty="0"/>
-              <a:t>Phone: x4395</a:t>
+              <a:t>Phone: </a:t>
+            </a:r>
+            <a:r>
+              <a:rPr lang="en-US" sz="2000" dirty="0">
+                <a:hlinkClick r:id="rId3"/>
+              </a:rPr>
+              <a:t>scott.nykl@au.af.edu</a:t>
+            </a:r>
+            <a:r>
+              <a:rPr lang="en-US" sz="2000" dirty="0"/>
+              <a:t> / MS Teams</a:t>
             </a:r>
           </a:p>
           <a:p>
